--- a/downloads/CFG_PitchDeck.pptx
+++ b/downloads/CFG_PitchDeck.pptx
@@ -11,9 +11,6 @@
     <p:sldId id="259" r:id="rId10"/>
     <p:sldId id="260" r:id="rId11"/>
     <p:sldId id="261" r:id="rId12"/>
-    <p:sldId id="262" r:id="rId13"/>
-    <p:sldId id="263" r:id="rId14"/>
-    <p:sldId id="264" r:id="rId15"/>
   </p:sldIdLst>
   <p:sldSz cx="9144000" cy="6858000" type="screen4x3"/>
   <p:notesSz cx="6858000" cy="9144000"/>
@@ -3145,7 +3142,7 @@
       </p:sp>
       <p:pic>
         <p:nvPicPr>
-          <p:cNvPr id="4" name="Picture 3" descr="portrait_cfg.png"/>
+          <p:cNvPr id="4" name="Picture 3" descr="6.png"/>
           <p:cNvPicPr>
             <a:picLocks noChangeAspect="1"/>
           </p:cNvPicPr>
@@ -3159,8 +3156,8 @@
         </p:blipFill>
         <p:spPr>
           <a:xfrm>
-            <a:off x="7315200" y="1188720"/>
-            <a:ext cx="2194560" cy="3291840"/>
+            <a:off x="6583680" y="457200"/>
+            <a:ext cx="1645920" cy="2468880"/>
           </a:xfrm>
           <a:prstGeom prst="rect">
             <a:avLst/>
@@ -3235,7 +3232,7 @@
           <a:p>
             <a:pPr/>
             <a:r>
-              <a:t>Отсутствует фокус: 10+ инициатив без эффекта</a:t>
+              <a:t>Слишком много инициатив без эффекта</a:t>
             </a:r>
           </a:p>
           <a:p>
@@ -3302,19 +3299,19 @@
           <a:p>
             <a:pPr/>
             <a:r>
-              <a:t>Я прихожу как фракционный COO/CGO</a:t>
+              <a:t>Фракционный COO/CGO</a:t>
             </a:r>
           </a:p>
           <a:p>
             <a:pPr/>
             <a:r>
-              <a:t>За 12 недель запускаю 3–5 инициатив до денег</a:t>
+              <a:t>3–5 инициатив до денег за 12 недель</a:t>
             </a:r>
           </a:p>
           <a:p>
             <a:pPr/>
             <a:r>
-              <a:t>DPPM-12: Data → People → Process → Market</a:t>
+              <a:t>DPPM-12: Данные → Люди → Процессы → Рынок</a:t>
             </a:r>
           </a:p>
         </p:txBody>
@@ -3353,7 +3350,7 @@
           <a:lstStyle/>
           <a:p>
             <a:r>
-              <a:t>DPPM-12 — подход</a:t>
+              <a:t>Продукты и формат</a:t>
             </a:r>
           </a:p>
         </p:txBody>
@@ -3375,25 +3372,25 @@
           <a:p>
             <a:pPr/>
             <a:r>
-              <a:t>DATA: единый слой, 5–7 дашбордов</a:t>
+              <a:t>Диагностика 10 дней (₽90–150k)</a:t>
             </a:r>
           </a:p>
           <a:p>
             <a:pPr/>
             <a:r>
-              <a:t>PEOPLE: KPI и мотивация, карьерные треки</a:t>
+              <a:t>Внедрение 12 недель (₽450–900k или ₽250–400k/мес + KPI)</a:t>
             </a:r>
           </a:p>
           <a:p>
             <a:pPr/>
             <a:r>
-              <a:t>PROCESS: регламенты, ритуалы, «борд фактов»</a:t>
+              <a:t>Operate 6–12 мес (≤2 клиента)</a:t>
             </a:r>
           </a:p>
           <a:p>
             <a:pPr/>
             <a:r>
-              <a:t>MARKET: воронка, офферы, партнёрский канал</a:t>
+              <a:t>Data-Block 3 недели | Sales-Boost 4 недели</a:t>
             </a:r>
           </a:p>
         </p:txBody>
@@ -3432,7 +3429,7 @@
           <a:lstStyle/>
           <a:p>
             <a:r>
-              <a:t>Продукты и формат</a:t>
+              <a:t>Доказательства</a:t>
             </a:r>
           </a:p>
         </p:txBody>
@@ -3454,25 +3451,25 @@
           <a:p>
             <a:pPr/>
             <a:r>
-              <a:t>Диагностика прибыли 10 дней (₽90–150k)</a:t>
+              <a:t>Рынок: доля до 33% (банк)</a:t>
             </a:r>
           </a:p>
           <a:p>
             <a:pPr/>
             <a:r>
-              <a:t>Внедрение 12 недель (₽450–900k или ₽250–400k/мес + KPI-бонус)</a:t>
+              <a:t>DIY: запуск B2B</a:t>
             </a:r>
           </a:p>
           <a:p>
             <a:pPr/>
             <a:r>
-              <a:t>Operate 6–12 мес (≤2 клиента)</a:t>
+              <a:t>Авто: конверсия до 27% + отчётность</a:t>
             </a:r>
           </a:p>
           <a:p>
             <a:pPr/>
             <a:r>
-              <a:t>Data-Block 3 недели | Sales-Boost 4 недели</a:t>
+              <a:t>1600+ интервью, 1000+ наймов</a:t>
             </a:r>
           </a:p>
         </p:txBody>
@@ -3511,7 +3508,7 @@
           <a:lstStyle/>
           <a:p>
             <a:r>
-              <a:t>ICP (фокус 90 дней)</a:t>
+              <a:t>Операционный ритм</a:t>
             </a:r>
           </a:p>
         </p:txBody>
@@ -3533,262 +3530,25 @@
           <a:p>
             <a:pPr/>
             <a:r>
-              <a:t>Автодилеры 3–10 салонов</a:t>
+              <a:t>6 спринтов × 2 недели</a:t>
             </a:r>
           </a:p>
           <a:p>
             <a:pPr/>
             <a:r>
-              <a:t>Девелоперы/подрядчики ₽1–10 млрд</a:t>
+              <a:t>Пн 09:00 цели → Пт 17:00 «борд фактов»</a:t>
             </a:r>
           </a:p>
           <a:p>
             <a:pPr/>
             <a:r>
-              <a:t>HoReCa 5–20 точек</a:t>
+              <a:t>WIP ≤ 3, weekly «голос поля»</a:t>
             </a:r>
           </a:p>
           <a:p>
             <a:pPr/>
             <a:r>
-              <a:t>E-commerce/ритейл ₽200–800 млн</a:t>
-            </a:r>
-          </a:p>
-        </p:txBody>
-      </p:sp>
-    </p:spTree>
-  </p:cSld>
-  <p:clrMapOvr>
-    <a:masterClrMapping/>
-  </p:clrMapOvr>
-</p:sld>
-</file>
-
-<file path=ppt/slides/slide7.xml><?xml version="1.0" encoding="utf-8"?>
-<p:sld xmlns:a="http://schemas.openxmlformats.org/drawingml/2006/main" xmlns:p="http://schemas.openxmlformats.org/presentationml/2006/main" xmlns:r="http://schemas.openxmlformats.org/officeDocument/2006/relationships">
-  <p:cSld>
-    <p:spTree>
-      <p:nvGrpSpPr>
-        <p:cNvPr id="1" name=""/>
-        <p:cNvGrpSpPr/>
-        <p:nvPr/>
-      </p:nvGrpSpPr>
-      <p:grpSpPr/>
-      <p:sp>
-        <p:nvSpPr>
-          <p:cNvPr id="2" name="Title 1"/>
-          <p:cNvSpPr>
-            <a:spLocks noGrp="1"/>
-          </p:cNvSpPr>
-          <p:nvPr>
-            <p:ph type="title"/>
-          </p:nvPr>
-        </p:nvSpPr>
-        <p:spPr/>
-        <p:txBody>
-          <a:bodyPr/>
-          <a:lstStyle/>
-          <a:p>
-            <a:r>
-              <a:t>Доказательства</a:t>
-            </a:r>
-          </a:p>
-        </p:txBody>
-      </p:sp>
-      <p:sp>
-        <p:nvSpPr>
-          <p:cNvPr id="3" name="Content Placeholder 2"/>
-          <p:cNvSpPr>
-            <a:spLocks noGrp="1"/>
-          </p:cNvSpPr>
-          <p:nvPr>
-            <p:ph idx="1"/>
-          </p:nvPr>
-        </p:nvSpPr>
-        <p:spPr/>
-        <p:txBody>
-          <a:bodyPr/>
-          <a:lstStyle/>
-          <a:p>
-            <a:pPr/>
-            <a:r>
-              <a:t>Рынок: доля до 33%</a:t>
-            </a:r>
-          </a:p>
-          <a:p>
-            <a:pPr/>
-            <a:r>
-              <a:t>DIY: запуск B2B-канала</a:t>
-            </a:r>
-          </a:p>
-          <a:p>
-            <a:pPr/>
-            <a:r>
-              <a:t>Авто: конверсия до 27% + отчётность</a:t>
-            </a:r>
-          </a:p>
-          <a:p>
-            <a:pPr/>
-            <a:r>
-              <a:t>1600+ интервью, 1000+ наймов</a:t>
-            </a:r>
-          </a:p>
-        </p:txBody>
-      </p:sp>
-    </p:spTree>
-  </p:cSld>
-  <p:clrMapOvr>
-    <a:masterClrMapping/>
-  </p:clrMapOvr>
-</p:sld>
-</file>
-
-<file path=ppt/slides/slide8.xml><?xml version="1.0" encoding="utf-8"?>
-<p:sld xmlns:a="http://schemas.openxmlformats.org/drawingml/2006/main" xmlns:p="http://schemas.openxmlformats.org/presentationml/2006/main" xmlns:r="http://schemas.openxmlformats.org/officeDocument/2006/relationships">
-  <p:cSld>
-    <p:spTree>
-      <p:nvGrpSpPr>
-        <p:cNvPr id="1" name=""/>
-        <p:cNvGrpSpPr/>
-        <p:nvPr/>
-      </p:nvGrpSpPr>
-      <p:grpSpPr/>
-      <p:sp>
-        <p:nvSpPr>
-          <p:cNvPr id="2" name="Title 1"/>
-          <p:cNvSpPr>
-            <a:spLocks noGrp="1"/>
-          </p:cNvSpPr>
-          <p:nvPr>
-            <p:ph type="title"/>
-          </p:nvPr>
-        </p:nvSpPr>
-        <p:spPr/>
-        <p:txBody>
-          <a:bodyPr/>
-          <a:lstStyle/>
-          <a:p>
-            <a:r>
-              <a:t>Операционный ритм</a:t>
-            </a:r>
-          </a:p>
-        </p:txBody>
-      </p:sp>
-      <p:sp>
-        <p:nvSpPr>
-          <p:cNvPr id="3" name="Content Placeholder 2"/>
-          <p:cNvSpPr>
-            <a:spLocks noGrp="1"/>
-          </p:cNvSpPr>
-          <p:nvPr>
-            <p:ph idx="1"/>
-          </p:nvPr>
-        </p:nvSpPr>
-        <p:spPr/>
-        <p:txBody>
-          <a:bodyPr/>
-          <a:lstStyle/>
-          <a:p>
-            <a:pPr/>
-            <a:r>
-              <a:t>6 спринтов × 2 недели</a:t>
-            </a:r>
-          </a:p>
-          <a:p>
-            <a:pPr/>
-            <a:r>
-              <a:t>Пн 09:00 цели → Пт 17:00 «борд фактов»</a:t>
-            </a:r>
-          </a:p>
-          <a:p>
-            <a:pPr/>
-            <a:r>
-              <a:t>WIP ≤ 3, weekly «голос поля»</a:t>
-            </a:r>
-          </a:p>
-          <a:p>
-            <a:pPr/>
-            <a:r>
               <a:t>Прозрачность эффектов и ROI</a:t>
-            </a:r>
-          </a:p>
-        </p:txBody>
-      </p:sp>
-    </p:spTree>
-  </p:cSld>
-  <p:clrMapOvr>
-    <a:masterClrMapping/>
-  </p:clrMapOvr>
-</p:sld>
-</file>
-
-<file path=ppt/slides/slide9.xml><?xml version="1.0" encoding="utf-8"?>
-<p:sld xmlns:a="http://schemas.openxmlformats.org/drawingml/2006/main" xmlns:p="http://schemas.openxmlformats.org/presentationml/2006/main" xmlns:r="http://schemas.openxmlformats.org/officeDocument/2006/relationships">
-  <p:cSld>
-    <p:spTree>
-      <p:nvGrpSpPr>
-        <p:cNvPr id="1" name=""/>
-        <p:cNvGrpSpPr/>
-        <p:nvPr/>
-      </p:nvGrpSpPr>
-      <p:grpSpPr/>
-      <p:sp>
-        <p:nvSpPr>
-          <p:cNvPr id="2" name="Title 1"/>
-          <p:cNvSpPr>
-            <a:spLocks noGrp="1"/>
-          </p:cNvSpPr>
-          <p:nvPr>
-            <p:ph type="title"/>
-          </p:nvPr>
-        </p:nvSpPr>
-        <p:spPr/>
-        <p:txBody>
-          <a:bodyPr/>
-          <a:lstStyle/>
-          <a:p>
-            <a:r>
-              <a:t>Next step</a:t>
-            </a:r>
-          </a:p>
-        </p:txBody>
-      </p:sp>
-      <p:sp>
-        <p:nvSpPr>
-          <p:cNvPr id="3" name="Content Placeholder 2"/>
-          <p:cNvSpPr>
-            <a:spLocks noGrp="1"/>
-          </p:cNvSpPr>
-          <p:nvPr>
-            <p:ph idx="1"/>
-          </p:nvPr>
-        </p:nvSpPr>
-        <p:spPr/>
-        <p:txBody>
-          <a:bodyPr/>
-          <a:lstStyle/>
-          <a:p>
-            <a:pPr/>
-            <a:r>
-              <a:t>20-мин discovery-звонок</a:t>
-            </a:r>
-          </a:p>
-          <a:p>
-            <a:pPr/>
-            <a:r>
-              <a:t>Старт «Диагностики 10 дней»</a:t>
-            </a:r>
-          </a:p>
-          <a:p>
-            <a:pPr/>
-            <a:r>
-              <a:t>Доступы к данным/CRM</a:t>
-            </a:r>
-          </a:p>
-          <a:p>
-            <a:pPr/>
-            <a:r>
-              <a:t>Согласуем KPI и потолок бонуса</a:t>
             </a:r>
           </a:p>
         </p:txBody>

--- a/downloads/CFG_PitchDeck.pptx
+++ b/downloads/CFG_PitchDeck.pptx
@@ -5,12 +5,12 @@
     <p:sldMasterId id="2147483648" r:id="rId1"/>
   </p:sldMasterIdLst>
   <p:sldIdLst>
-    <p:sldId id="256" r:id="rId7"/>
-    <p:sldId id="257" r:id="rId8"/>
-    <p:sldId id="258" r:id="rId9"/>
-    <p:sldId id="259" r:id="rId10"/>
-    <p:sldId id="260" r:id="rId11"/>
-    <p:sldId id="261" r:id="rId12"/>
+    <p:sldId id="256" r:id="rId2"/>
+    <p:sldId id="257" r:id="rId3"/>
+    <p:sldId id="258" r:id="rId4"/>
+    <p:sldId id="259" r:id="rId5"/>
+    <p:sldId id="260" r:id="rId6"/>
+    <p:sldId id="261" r:id="rId7"/>
   </p:sldIdLst>
   <p:sldSz cx="9144000" cy="6858000" type="screen4x3"/>
   <p:notesSz cx="6858000" cy="9144000"/>
@@ -109,6 +109,22 @@
       </a:defRPr>
     </a:lvl9pPr>
   </p:defaultTextStyle>
+  <p:extLst>
+    <p:ext uri="{EFAFB233-063F-42B5-8137-9DF3F51BA10A}">
+      <p15:sldGuideLst xmlns:p15="http://schemas.microsoft.com/office/powerpoint/2012/main">
+        <p15:guide id="1" orient="horz" pos="2160">
+          <p15:clr>
+            <a:srgbClr val="A4A3A4"/>
+          </p15:clr>
+        </p15:guide>
+        <p15:guide id="2" pos="2880">
+          <p15:clr>
+            <a:srgbClr val="A4A3A4"/>
+          </p15:clr>
+        </p15:guide>
+      </p15:sldGuideLst>
+    </p:ext>
+  </p:extLst>
 </p:presentation>
 </file>
 
@@ -150,10 +166,9 @@
           <a:lstStyle/>
           <a:p>
             <a:r>
-              <a:rPr lang="en-US" smtClean="0"/>
+              <a:rPr lang="en-US"/>
               <a:t>Click to edit Master title style</a:t>
             </a:r>
-            <a:endParaRPr lang="en-US"/>
           </a:p>
         </p:txBody>
       </p:sp>
@@ -269,10 +284,9 @@
           </a:lstStyle>
           <a:p>
             <a:r>
-              <a:rPr lang="en-US" smtClean="0"/>
+              <a:rPr lang="en-US"/>
               <a:t>Click to edit Master subtitle style</a:t>
             </a:r>
-            <a:endParaRPr lang="en-US"/>
           </a:p>
         </p:txBody>
       </p:sp>
@@ -293,7 +307,7 @@
           <a:p>
             <a:fld id="{5BCAD085-E8A6-8845-BD4E-CB4CCA059FC4}" type="datetimeFigureOut">
               <a:rPr lang="en-US" smtClean="0"/>
-              <a:t>1/27/13</a:t>
+              <a:t>9/17/2025</a:t>
             </a:fld>
             <a:endParaRPr lang="en-US"/>
           </a:p>
@@ -387,10 +401,9 @@
           <a:lstStyle/>
           <a:p>
             <a:r>
-              <a:rPr lang="en-US" smtClean="0"/>
+              <a:rPr lang="en-US"/>
               <a:t>Click to edit Master title style</a:t>
             </a:r>
-            <a:endParaRPr lang="en-US"/>
           </a:p>
         </p:txBody>
       </p:sp>
@@ -411,38 +424,37 @@
           <a:p>
             <a:pPr lvl="0"/>
             <a:r>
-              <a:rPr lang="en-US" smtClean="0"/>
+              <a:rPr lang="en-US"/>
               <a:t>Click to edit Master text styles</a:t>
             </a:r>
           </a:p>
           <a:p>
             <a:pPr lvl="1"/>
             <a:r>
-              <a:rPr lang="en-US" smtClean="0"/>
+              <a:rPr lang="en-US"/>
               <a:t>Second level</a:t>
             </a:r>
           </a:p>
           <a:p>
             <a:pPr lvl="2"/>
             <a:r>
-              <a:rPr lang="en-US" smtClean="0"/>
+              <a:rPr lang="en-US"/>
               <a:t>Third level</a:t>
             </a:r>
           </a:p>
           <a:p>
             <a:pPr lvl="3"/>
             <a:r>
-              <a:rPr lang="en-US" smtClean="0"/>
+              <a:rPr lang="en-US"/>
               <a:t>Fourth level</a:t>
             </a:r>
           </a:p>
           <a:p>
             <a:pPr lvl="4"/>
             <a:r>
-              <a:rPr lang="en-US" smtClean="0"/>
+              <a:rPr lang="en-US"/>
               <a:t>Fifth level</a:t>
             </a:r>
-            <a:endParaRPr lang="en-US"/>
           </a:p>
         </p:txBody>
       </p:sp>
@@ -463,7 +475,7 @@
           <a:p>
             <a:fld id="{5BCAD085-E8A6-8845-BD4E-CB4CCA059FC4}" type="datetimeFigureOut">
               <a:rPr lang="en-US" smtClean="0"/>
-              <a:t>1/27/13</a:t>
+              <a:t>9/17/2025</a:t>
             </a:fld>
             <a:endParaRPr lang="en-US"/>
           </a:p>
@@ -562,10 +574,9 @@
           <a:lstStyle/>
           <a:p>
             <a:r>
-              <a:rPr lang="en-US" smtClean="0"/>
+              <a:rPr lang="en-US"/>
               <a:t>Click to edit Master title style</a:t>
             </a:r>
-            <a:endParaRPr lang="en-US"/>
           </a:p>
         </p:txBody>
       </p:sp>
@@ -591,38 +602,37 @@
           <a:p>
             <a:pPr lvl="0"/>
             <a:r>
-              <a:rPr lang="en-US" smtClean="0"/>
+              <a:rPr lang="en-US"/>
               <a:t>Click to edit Master text styles</a:t>
             </a:r>
           </a:p>
           <a:p>
             <a:pPr lvl="1"/>
             <a:r>
-              <a:rPr lang="en-US" smtClean="0"/>
+              <a:rPr lang="en-US"/>
               <a:t>Second level</a:t>
             </a:r>
           </a:p>
           <a:p>
             <a:pPr lvl="2"/>
             <a:r>
-              <a:rPr lang="en-US" smtClean="0"/>
+              <a:rPr lang="en-US"/>
               <a:t>Third level</a:t>
             </a:r>
           </a:p>
           <a:p>
             <a:pPr lvl="3"/>
             <a:r>
-              <a:rPr lang="en-US" smtClean="0"/>
+              <a:rPr lang="en-US"/>
               <a:t>Fourth level</a:t>
             </a:r>
           </a:p>
           <a:p>
             <a:pPr lvl="4"/>
             <a:r>
-              <a:rPr lang="en-US" smtClean="0"/>
+              <a:rPr lang="en-US"/>
               <a:t>Fifth level</a:t>
             </a:r>
-            <a:endParaRPr lang="en-US"/>
           </a:p>
         </p:txBody>
       </p:sp>
@@ -643,7 +653,7 @@
           <a:p>
             <a:fld id="{5BCAD085-E8A6-8845-BD4E-CB4CCA059FC4}" type="datetimeFigureOut">
               <a:rPr lang="en-US" smtClean="0"/>
-              <a:t>1/27/13</a:t>
+              <a:t>9/17/2025</a:t>
             </a:fld>
             <a:endParaRPr lang="en-US"/>
           </a:p>
@@ -737,10 +747,9 @@
           <a:lstStyle/>
           <a:p>
             <a:r>
-              <a:rPr lang="en-US" smtClean="0"/>
+              <a:rPr lang="en-US"/>
               <a:t>Click to edit Master title style</a:t>
             </a:r>
-            <a:endParaRPr lang="en-US"/>
           </a:p>
         </p:txBody>
       </p:sp>
@@ -761,38 +770,37 @@
           <a:p>
             <a:pPr lvl="0"/>
             <a:r>
-              <a:rPr lang="en-US" smtClean="0"/>
+              <a:rPr lang="en-US"/>
               <a:t>Click to edit Master text styles</a:t>
             </a:r>
           </a:p>
           <a:p>
             <a:pPr lvl="1"/>
             <a:r>
-              <a:rPr lang="en-US" smtClean="0"/>
+              <a:rPr lang="en-US"/>
               <a:t>Second level</a:t>
             </a:r>
           </a:p>
           <a:p>
             <a:pPr lvl="2"/>
             <a:r>
-              <a:rPr lang="en-US" smtClean="0"/>
+              <a:rPr lang="en-US"/>
               <a:t>Third level</a:t>
             </a:r>
           </a:p>
           <a:p>
             <a:pPr lvl="3"/>
             <a:r>
-              <a:rPr lang="en-US" smtClean="0"/>
+              <a:rPr lang="en-US"/>
               <a:t>Fourth level</a:t>
             </a:r>
           </a:p>
           <a:p>
             <a:pPr lvl="4"/>
             <a:r>
-              <a:rPr lang="en-US" smtClean="0"/>
+              <a:rPr lang="en-US"/>
               <a:t>Fifth level</a:t>
             </a:r>
-            <a:endParaRPr lang="en-US"/>
           </a:p>
         </p:txBody>
       </p:sp>
@@ -813,7 +821,7 @@
           <a:p>
             <a:fld id="{5BCAD085-E8A6-8845-BD4E-CB4CCA059FC4}" type="datetimeFigureOut">
               <a:rPr lang="en-US" smtClean="0"/>
-              <a:t>1/27/13</a:t>
+              <a:t>9/17/2025</a:t>
             </a:fld>
             <a:endParaRPr lang="en-US"/>
           </a:p>
@@ -916,10 +924,9 @@
           </a:lstStyle>
           <a:p>
             <a:r>
-              <a:rPr lang="en-US" smtClean="0"/>
+              <a:rPr lang="en-US"/>
               <a:t>Click to edit Master title style</a:t>
             </a:r>
-            <a:endParaRPr lang="en-US"/>
           </a:p>
         </p:txBody>
       </p:sp>
@@ -1036,7 +1043,7 @@
           <a:p>
             <a:pPr lvl="0"/>
             <a:r>
-              <a:rPr lang="en-US" smtClean="0"/>
+              <a:rPr lang="en-US"/>
               <a:t>Click to edit Master text styles</a:t>
             </a:r>
           </a:p>
@@ -1059,7 +1066,7 @@
           <a:p>
             <a:fld id="{5BCAD085-E8A6-8845-BD4E-CB4CCA059FC4}" type="datetimeFigureOut">
               <a:rPr lang="en-US" smtClean="0"/>
-              <a:t>1/27/13</a:t>
+              <a:t>9/17/2025</a:t>
             </a:fld>
             <a:endParaRPr lang="en-US"/>
           </a:p>
@@ -1153,10 +1160,9 @@
           <a:lstStyle/>
           <a:p>
             <a:r>
-              <a:rPr lang="en-US" smtClean="0"/>
+              <a:rPr lang="en-US"/>
               <a:t>Click to edit Master title style</a:t>
             </a:r>
-            <a:endParaRPr lang="en-US"/>
           </a:p>
         </p:txBody>
       </p:sp>
@@ -1210,38 +1216,37 @@
           <a:p>
             <a:pPr lvl="0"/>
             <a:r>
-              <a:rPr lang="en-US" smtClean="0"/>
+              <a:rPr lang="en-US"/>
               <a:t>Click to edit Master text styles</a:t>
             </a:r>
           </a:p>
           <a:p>
             <a:pPr lvl="1"/>
             <a:r>
-              <a:rPr lang="en-US" smtClean="0"/>
+              <a:rPr lang="en-US"/>
               <a:t>Second level</a:t>
             </a:r>
           </a:p>
           <a:p>
             <a:pPr lvl="2"/>
             <a:r>
-              <a:rPr lang="en-US" smtClean="0"/>
+              <a:rPr lang="en-US"/>
               <a:t>Third level</a:t>
             </a:r>
           </a:p>
           <a:p>
             <a:pPr lvl="3"/>
             <a:r>
-              <a:rPr lang="en-US" smtClean="0"/>
+              <a:rPr lang="en-US"/>
               <a:t>Fourth level</a:t>
             </a:r>
           </a:p>
           <a:p>
             <a:pPr lvl="4"/>
             <a:r>
-              <a:rPr lang="en-US" smtClean="0"/>
+              <a:rPr lang="en-US"/>
               <a:t>Fifth level</a:t>
             </a:r>
-            <a:endParaRPr lang="en-US"/>
           </a:p>
         </p:txBody>
       </p:sp>
@@ -1295,38 +1300,37 @@
           <a:p>
             <a:pPr lvl="0"/>
             <a:r>
-              <a:rPr lang="en-US" smtClean="0"/>
+              <a:rPr lang="en-US"/>
               <a:t>Click to edit Master text styles</a:t>
             </a:r>
           </a:p>
           <a:p>
             <a:pPr lvl="1"/>
             <a:r>
-              <a:rPr lang="en-US" smtClean="0"/>
+              <a:rPr lang="en-US"/>
               <a:t>Second level</a:t>
             </a:r>
           </a:p>
           <a:p>
             <a:pPr lvl="2"/>
             <a:r>
-              <a:rPr lang="en-US" smtClean="0"/>
+              <a:rPr lang="en-US"/>
               <a:t>Third level</a:t>
             </a:r>
           </a:p>
           <a:p>
             <a:pPr lvl="3"/>
             <a:r>
-              <a:rPr lang="en-US" smtClean="0"/>
+              <a:rPr lang="en-US"/>
               <a:t>Fourth level</a:t>
             </a:r>
           </a:p>
           <a:p>
             <a:pPr lvl="4"/>
             <a:r>
-              <a:rPr lang="en-US" smtClean="0"/>
+              <a:rPr lang="en-US"/>
               <a:t>Fifth level</a:t>
             </a:r>
-            <a:endParaRPr lang="en-US"/>
           </a:p>
         </p:txBody>
       </p:sp>
@@ -1347,7 +1351,7 @@
           <a:p>
             <a:fld id="{5BCAD085-E8A6-8845-BD4E-CB4CCA059FC4}" type="datetimeFigureOut">
               <a:rPr lang="en-US" smtClean="0"/>
-              <a:t>1/27/13</a:t>
+              <a:t>9/17/2025</a:t>
             </a:fld>
             <a:endParaRPr lang="en-US"/>
           </a:p>
@@ -1445,10 +1449,9 @@
           </a:lstStyle>
           <a:p>
             <a:r>
-              <a:rPr lang="en-US" smtClean="0"/>
+              <a:rPr lang="en-US"/>
               <a:t>Click to edit Master title style</a:t>
             </a:r>
-            <a:endParaRPr lang="en-US"/>
           </a:p>
         </p:txBody>
       </p:sp>
@@ -1511,7 +1514,7 @@
           <a:p>
             <a:pPr lvl="0"/>
             <a:r>
-              <a:rPr lang="en-US" smtClean="0"/>
+              <a:rPr lang="en-US"/>
               <a:t>Click to edit Master text styles</a:t>
             </a:r>
           </a:p>
@@ -1567,38 +1570,37 @@
           <a:p>
             <a:pPr lvl="0"/>
             <a:r>
-              <a:rPr lang="en-US" smtClean="0"/>
+              <a:rPr lang="en-US"/>
               <a:t>Click to edit Master text styles</a:t>
             </a:r>
           </a:p>
           <a:p>
             <a:pPr lvl="1"/>
             <a:r>
-              <a:rPr lang="en-US" smtClean="0"/>
+              <a:rPr lang="en-US"/>
               <a:t>Second level</a:t>
             </a:r>
           </a:p>
           <a:p>
             <a:pPr lvl="2"/>
             <a:r>
-              <a:rPr lang="en-US" smtClean="0"/>
+              <a:rPr lang="en-US"/>
               <a:t>Third level</a:t>
             </a:r>
           </a:p>
           <a:p>
             <a:pPr lvl="3"/>
             <a:r>
-              <a:rPr lang="en-US" smtClean="0"/>
+              <a:rPr lang="en-US"/>
               <a:t>Fourth level</a:t>
             </a:r>
           </a:p>
           <a:p>
             <a:pPr lvl="4"/>
             <a:r>
-              <a:rPr lang="en-US" smtClean="0"/>
+              <a:rPr lang="en-US"/>
               <a:t>Fifth level</a:t>
             </a:r>
-            <a:endParaRPr lang="en-US"/>
           </a:p>
         </p:txBody>
       </p:sp>
@@ -1661,7 +1663,7 @@
           <a:p>
             <a:pPr lvl="0"/>
             <a:r>
-              <a:rPr lang="en-US" smtClean="0"/>
+              <a:rPr lang="en-US"/>
               <a:t>Click to edit Master text styles</a:t>
             </a:r>
           </a:p>
@@ -1717,38 +1719,37 @@
           <a:p>
             <a:pPr lvl="0"/>
             <a:r>
-              <a:rPr lang="en-US" smtClean="0"/>
+              <a:rPr lang="en-US"/>
               <a:t>Click to edit Master text styles</a:t>
             </a:r>
           </a:p>
           <a:p>
             <a:pPr lvl="1"/>
             <a:r>
-              <a:rPr lang="en-US" smtClean="0"/>
+              <a:rPr lang="en-US"/>
               <a:t>Second level</a:t>
             </a:r>
           </a:p>
           <a:p>
             <a:pPr lvl="2"/>
             <a:r>
-              <a:rPr lang="en-US" smtClean="0"/>
+              <a:rPr lang="en-US"/>
               <a:t>Third level</a:t>
             </a:r>
           </a:p>
           <a:p>
             <a:pPr lvl="3"/>
             <a:r>
-              <a:rPr lang="en-US" smtClean="0"/>
+              <a:rPr lang="en-US"/>
               <a:t>Fourth level</a:t>
             </a:r>
           </a:p>
           <a:p>
             <a:pPr lvl="4"/>
             <a:r>
-              <a:rPr lang="en-US" smtClean="0"/>
+              <a:rPr lang="en-US"/>
               <a:t>Fifth level</a:t>
             </a:r>
-            <a:endParaRPr lang="en-US"/>
           </a:p>
         </p:txBody>
       </p:sp>
@@ -1769,7 +1770,7 @@
           <a:p>
             <a:fld id="{5BCAD085-E8A6-8845-BD4E-CB4CCA059FC4}" type="datetimeFigureOut">
               <a:rPr lang="en-US" smtClean="0"/>
-              <a:t>1/27/13</a:t>
+              <a:t>9/17/2025</a:t>
             </a:fld>
             <a:endParaRPr lang="en-US"/>
           </a:p>
@@ -1863,10 +1864,9 @@
           <a:lstStyle/>
           <a:p>
             <a:r>
-              <a:rPr lang="en-US" smtClean="0"/>
+              <a:rPr lang="en-US"/>
               <a:t>Click to edit Master title style</a:t>
             </a:r>
-            <a:endParaRPr lang="en-US"/>
           </a:p>
         </p:txBody>
       </p:sp>
@@ -1887,7 +1887,7 @@
           <a:p>
             <a:fld id="{5BCAD085-E8A6-8845-BD4E-CB4CCA059FC4}" type="datetimeFigureOut">
               <a:rPr lang="en-US" smtClean="0"/>
-              <a:t>1/27/13</a:t>
+              <a:t>9/17/2025</a:t>
             </a:fld>
             <a:endParaRPr lang="en-US"/>
           </a:p>
@@ -1982,7 +1982,7 @@
           <a:p>
             <a:fld id="{5BCAD085-E8A6-8845-BD4E-CB4CCA059FC4}" type="datetimeFigureOut">
               <a:rPr lang="en-US" smtClean="0"/>
-              <a:t>1/27/13</a:t>
+              <a:t>9/17/2025</a:t>
             </a:fld>
             <a:endParaRPr lang="en-US"/>
           </a:p>
@@ -2085,10 +2085,9 @@
           </a:lstStyle>
           <a:p>
             <a:r>
-              <a:rPr lang="en-US" smtClean="0"/>
+              <a:rPr lang="en-US"/>
               <a:t>Click to edit Master title style</a:t>
             </a:r>
-            <a:endParaRPr lang="en-US"/>
           </a:p>
         </p:txBody>
       </p:sp>
@@ -2142,38 +2141,37 @@
           <a:p>
             <a:pPr lvl="0"/>
             <a:r>
-              <a:rPr lang="en-US" smtClean="0"/>
+              <a:rPr lang="en-US"/>
               <a:t>Click to edit Master text styles</a:t>
             </a:r>
           </a:p>
           <a:p>
             <a:pPr lvl="1"/>
             <a:r>
-              <a:rPr lang="en-US" smtClean="0"/>
+              <a:rPr lang="en-US"/>
               <a:t>Second level</a:t>
             </a:r>
           </a:p>
           <a:p>
             <a:pPr lvl="2"/>
             <a:r>
-              <a:rPr lang="en-US" smtClean="0"/>
+              <a:rPr lang="en-US"/>
               <a:t>Third level</a:t>
             </a:r>
           </a:p>
           <a:p>
             <a:pPr lvl="3"/>
             <a:r>
-              <a:rPr lang="en-US" smtClean="0"/>
+              <a:rPr lang="en-US"/>
               <a:t>Fourth level</a:t>
             </a:r>
           </a:p>
           <a:p>
             <a:pPr lvl="4"/>
             <a:r>
-              <a:rPr lang="en-US" smtClean="0"/>
+              <a:rPr lang="en-US"/>
               <a:t>Fifth level</a:t>
             </a:r>
-            <a:endParaRPr lang="en-US"/>
           </a:p>
         </p:txBody>
       </p:sp>
@@ -2236,7 +2234,7 @@
           <a:p>
             <a:pPr lvl="0"/>
             <a:r>
-              <a:rPr lang="en-US" smtClean="0"/>
+              <a:rPr lang="en-US"/>
               <a:t>Click to edit Master text styles</a:t>
             </a:r>
           </a:p>
@@ -2259,7 +2257,7 @@
           <a:p>
             <a:fld id="{5BCAD085-E8A6-8845-BD4E-CB4CCA059FC4}" type="datetimeFigureOut">
               <a:rPr lang="en-US" smtClean="0"/>
-              <a:t>1/27/13</a:t>
+              <a:t>9/17/2025</a:t>
             </a:fld>
             <a:endParaRPr lang="en-US"/>
           </a:p>
@@ -2362,10 +2360,9 @@
           </a:lstStyle>
           <a:p>
             <a:r>
-              <a:rPr lang="en-US" smtClean="0"/>
+              <a:rPr lang="en-US"/>
               <a:t>Click to edit Master title style</a:t>
             </a:r>
-            <a:endParaRPr lang="en-US"/>
           </a:p>
         </p:txBody>
       </p:sp>
@@ -2489,7 +2486,7 @@
           <a:p>
             <a:pPr lvl="0"/>
             <a:r>
-              <a:rPr lang="en-US" smtClean="0"/>
+              <a:rPr lang="en-US"/>
               <a:t>Click to edit Master text styles</a:t>
             </a:r>
           </a:p>
@@ -2512,7 +2509,7 @@
           <a:p>
             <a:fld id="{5BCAD085-E8A6-8845-BD4E-CB4CCA059FC4}" type="datetimeFigureOut">
               <a:rPr lang="en-US" smtClean="0"/>
-              <a:t>1/27/13</a:t>
+              <a:t>9/17/2025</a:t>
             </a:fld>
             <a:endParaRPr lang="en-US"/>
           </a:p>
@@ -2621,10 +2618,9 @@
           <a:lstStyle/>
           <a:p>
             <a:r>
-              <a:rPr lang="en-US" smtClean="0"/>
+              <a:rPr lang="en-US"/>
               <a:t>Click to edit Master title style</a:t>
             </a:r>
-            <a:endParaRPr lang="en-US"/>
           </a:p>
         </p:txBody>
       </p:sp>
@@ -2655,38 +2651,37 @@
           <a:p>
             <a:pPr lvl="0"/>
             <a:r>
-              <a:rPr lang="en-US" smtClean="0"/>
+              <a:rPr lang="en-US"/>
               <a:t>Click to edit Master text styles</a:t>
             </a:r>
           </a:p>
           <a:p>
             <a:pPr lvl="1"/>
             <a:r>
-              <a:rPr lang="en-US" smtClean="0"/>
+              <a:rPr lang="en-US"/>
               <a:t>Second level</a:t>
             </a:r>
           </a:p>
           <a:p>
             <a:pPr lvl="2"/>
             <a:r>
-              <a:rPr lang="en-US" smtClean="0"/>
+              <a:rPr lang="en-US"/>
               <a:t>Third level</a:t>
             </a:r>
           </a:p>
           <a:p>
             <a:pPr lvl="3"/>
             <a:r>
-              <a:rPr lang="en-US" smtClean="0"/>
+              <a:rPr lang="en-US"/>
               <a:t>Fourth level</a:t>
             </a:r>
           </a:p>
           <a:p>
             <a:pPr lvl="4"/>
             <a:r>
-              <a:rPr lang="en-US" smtClean="0"/>
+              <a:rPr lang="en-US"/>
               <a:t>Fifth level</a:t>
             </a:r>
-            <a:endParaRPr lang="en-US"/>
           </a:p>
         </p:txBody>
       </p:sp>
@@ -2725,7 +2720,7 @@
           <a:p>
             <a:fld id="{5BCAD085-E8A6-8845-BD4E-CB4CCA059FC4}" type="datetimeFigureOut">
               <a:rPr lang="en-US" smtClean="0"/>
-              <a:t>1/27/13</a:t>
+              <a:t>9/17/2025</a:t>
             </a:fld>
             <a:endParaRPr lang="en-US"/>
           </a:p>
@@ -3084,7 +3079,7 @@
 </file>
 
 <file path=ppt/slides/slide1.xml><?xml version="1.0" encoding="utf-8"?>
-<p:sld xmlns:a="http://schemas.openxmlformats.org/drawingml/2006/main" xmlns:p="http://schemas.openxmlformats.org/presentationml/2006/main" xmlns:r="http://schemas.openxmlformats.org/officeDocument/2006/relationships">
+<p:sld xmlns:a="http://schemas.openxmlformats.org/drawingml/2006/main" xmlns:r="http://schemas.openxmlformats.org/officeDocument/2006/relationships" xmlns:p="http://schemas.openxmlformats.org/presentationml/2006/main">
   <p:cSld>
     <p:spTree>
       <p:nvGrpSpPr>
@@ -3092,7 +3087,14 @@
         <p:cNvGrpSpPr/>
         <p:nvPr/>
       </p:nvGrpSpPr>
-      <p:grpSpPr/>
+      <p:grpSpPr>
+        <a:xfrm>
+          <a:off x="0" y="0"/>
+          <a:ext cx="0" cy="0"/>
+          <a:chOff x="0" y="0"/>
+          <a:chExt cx="0" cy="0"/>
+        </a:xfrm>
+      </p:grpSpPr>
       <p:sp>
         <p:nvSpPr>
           <p:cNvPr id="2" name="Title 1"/>
@@ -3156,8 +3158,8 @@
         </p:blipFill>
         <p:spPr>
           <a:xfrm>
-            <a:off x="6583680" y="457200"/>
-            <a:ext cx="1645920" cy="2468880"/>
+            <a:off x="7473696" y="173736"/>
+            <a:ext cx="1359408" cy="2039112"/>
           </a:xfrm>
           <a:prstGeom prst="rect">
             <a:avLst/>
@@ -3173,7 +3175,7 @@
 </file>
 
 <file path=ppt/slides/slide2.xml><?xml version="1.0" encoding="utf-8"?>
-<p:sld xmlns:a="http://schemas.openxmlformats.org/drawingml/2006/main" xmlns:p="http://schemas.openxmlformats.org/presentationml/2006/main" xmlns:r="http://schemas.openxmlformats.org/officeDocument/2006/relationships">
+<p:sld xmlns:a="http://schemas.openxmlformats.org/drawingml/2006/main" xmlns:r="http://schemas.openxmlformats.org/officeDocument/2006/relationships" xmlns:p="http://schemas.openxmlformats.org/presentationml/2006/main">
   <p:cSld>
     <p:spTree>
       <p:nvGrpSpPr>
@@ -3181,7 +3183,14 @@
         <p:cNvGrpSpPr/>
         <p:nvPr/>
       </p:nvGrpSpPr>
-      <p:grpSpPr/>
+      <p:grpSpPr>
+        <a:xfrm>
+          <a:off x="0" y="0"/>
+          <a:ext cx="0" cy="0"/>
+          <a:chOff x="0" y="0"/>
+          <a:chExt cx="0" cy="0"/>
+        </a:xfrm>
+      </p:grpSpPr>
       <p:sp>
         <p:nvSpPr>
           <p:cNvPr id="2" name="Title 1"/>
@@ -3218,25 +3227,21 @@
           <a:bodyPr/>
           <a:lstStyle/>
           <a:p>
-            <a:pPr/>
             <a:r>
               <a:t>Нет управленческой отчётности в одном окне</a:t>
             </a:r>
           </a:p>
           <a:p>
-            <a:pPr/>
             <a:r>
               <a:t>Слабая мотивация: нет связи KPI ↔ деньги</a:t>
             </a:r>
           </a:p>
           <a:p>
-            <a:pPr/>
             <a:r>
               <a:t>Слишком много инициатив без эффекта</a:t>
             </a:r>
           </a:p>
           <a:p>
-            <a:pPr/>
             <a:r>
               <a:t>Нужны быстрые победы без тяжёлого IT</a:t>
             </a:r>
@@ -3252,7 +3257,7 @@
 </file>
 
 <file path=ppt/slides/slide3.xml><?xml version="1.0" encoding="utf-8"?>
-<p:sld xmlns:a="http://schemas.openxmlformats.org/drawingml/2006/main" xmlns:p="http://schemas.openxmlformats.org/presentationml/2006/main" xmlns:r="http://schemas.openxmlformats.org/officeDocument/2006/relationships">
+<p:sld xmlns:a="http://schemas.openxmlformats.org/drawingml/2006/main" xmlns:r="http://schemas.openxmlformats.org/officeDocument/2006/relationships" xmlns:p="http://schemas.openxmlformats.org/presentationml/2006/main">
   <p:cSld>
     <p:spTree>
       <p:nvGrpSpPr>
@@ -3260,7 +3265,14 @@
         <p:cNvGrpSpPr/>
         <p:nvPr/>
       </p:nvGrpSpPr>
-      <p:grpSpPr/>
+      <p:grpSpPr>
+        <a:xfrm>
+          <a:off x="0" y="0"/>
+          <a:ext cx="0" cy="0"/>
+          <a:chOff x="0" y="0"/>
+          <a:chExt cx="0" cy="0"/>
+        </a:xfrm>
+      </p:grpSpPr>
       <p:sp>
         <p:nvSpPr>
           <p:cNvPr id="2" name="Title 1"/>
@@ -3297,19 +3309,16 @@
           <a:bodyPr/>
           <a:lstStyle/>
           <a:p>
-            <a:pPr/>
             <a:r>
               <a:t>Фракционный COO/CGO</a:t>
             </a:r>
           </a:p>
           <a:p>
-            <a:pPr/>
             <a:r>
               <a:t>3–5 инициатив до денег за 12 недель</a:t>
             </a:r>
           </a:p>
           <a:p>
-            <a:pPr/>
             <a:r>
               <a:t>DPPM-12: Данные → Люди → Процессы → Рынок</a:t>
             </a:r>
@@ -3325,7 +3334,7 @@
 </file>
 
 <file path=ppt/slides/slide4.xml><?xml version="1.0" encoding="utf-8"?>
-<p:sld xmlns:a="http://schemas.openxmlformats.org/drawingml/2006/main" xmlns:p="http://schemas.openxmlformats.org/presentationml/2006/main" xmlns:r="http://schemas.openxmlformats.org/officeDocument/2006/relationships">
+<p:sld xmlns:a="http://schemas.openxmlformats.org/drawingml/2006/main" xmlns:r="http://schemas.openxmlformats.org/officeDocument/2006/relationships" xmlns:p="http://schemas.openxmlformats.org/presentationml/2006/main">
   <p:cSld>
     <p:spTree>
       <p:nvGrpSpPr>
@@ -3333,7 +3342,14 @@
         <p:cNvGrpSpPr/>
         <p:nvPr/>
       </p:nvGrpSpPr>
-      <p:grpSpPr/>
+      <p:grpSpPr>
+        <a:xfrm>
+          <a:off x="0" y="0"/>
+          <a:ext cx="0" cy="0"/>
+          <a:chOff x="0" y="0"/>
+          <a:chExt cx="0" cy="0"/>
+        </a:xfrm>
+      </p:grpSpPr>
       <p:sp>
         <p:nvSpPr>
           <p:cNvPr id="2" name="Title 1"/>
@@ -3370,25 +3386,21 @@
           <a:bodyPr/>
           <a:lstStyle/>
           <a:p>
-            <a:pPr/>
             <a:r>
               <a:t>Диагностика 10 дней (₽90–150k)</a:t>
             </a:r>
           </a:p>
           <a:p>
-            <a:pPr/>
             <a:r>
               <a:t>Внедрение 12 недель (₽450–900k или ₽250–400k/мес + KPI)</a:t>
             </a:r>
           </a:p>
           <a:p>
-            <a:pPr/>
             <a:r>
               <a:t>Operate 6–12 мес (≤2 клиента)</a:t>
             </a:r>
           </a:p>
           <a:p>
-            <a:pPr/>
             <a:r>
               <a:t>Data-Block 3 недели | Sales-Boost 4 недели</a:t>
             </a:r>
@@ -3404,7 +3416,7 @@
 </file>
 
 <file path=ppt/slides/slide5.xml><?xml version="1.0" encoding="utf-8"?>
-<p:sld xmlns:a="http://schemas.openxmlformats.org/drawingml/2006/main" xmlns:p="http://schemas.openxmlformats.org/presentationml/2006/main" xmlns:r="http://schemas.openxmlformats.org/officeDocument/2006/relationships">
+<p:sld xmlns:a="http://schemas.openxmlformats.org/drawingml/2006/main" xmlns:r="http://schemas.openxmlformats.org/officeDocument/2006/relationships" xmlns:p="http://schemas.openxmlformats.org/presentationml/2006/main">
   <p:cSld>
     <p:spTree>
       <p:nvGrpSpPr>
@@ -3412,7 +3424,14 @@
         <p:cNvGrpSpPr/>
         <p:nvPr/>
       </p:nvGrpSpPr>
-      <p:grpSpPr/>
+      <p:grpSpPr>
+        <a:xfrm>
+          <a:off x="0" y="0"/>
+          <a:ext cx="0" cy="0"/>
+          <a:chOff x="0" y="0"/>
+          <a:chExt cx="0" cy="0"/>
+        </a:xfrm>
+      </p:grpSpPr>
       <p:sp>
         <p:nvSpPr>
           <p:cNvPr id="2" name="Title 1"/>
@@ -3449,25 +3468,21 @@
           <a:bodyPr/>
           <a:lstStyle/>
           <a:p>
-            <a:pPr/>
             <a:r>
               <a:t>Рынок: доля до 33% (банк)</a:t>
             </a:r>
           </a:p>
           <a:p>
-            <a:pPr/>
             <a:r>
               <a:t>DIY: запуск B2B</a:t>
             </a:r>
           </a:p>
           <a:p>
-            <a:pPr/>
             <a:r>
               <a:t>Авто: конверсия до 27% + отчётность</a:t>
             </a:r>
           </a:p>
           <a:p>
-            <a:pPr/>
             <a:r>
               <a:t>1600+ интервью, 1000+ наймов</a:t>
             </a:r>
@@ -3483,7 +3498,7 @@
 </file>
 
 <file path=ppt/slides/slide6.xml><?xml version="1.0" encoding="utf-8"?>
-<p:sld xmlns:a="http://schemas.openxmlformats.org/drawingml/2006/main" xmlns:p="http://schemas.openxmlformats.org/presentationml/2006/main" xmlns:r="http://schemas.openxmlformats.org/officeDocument/2006/relationships">
+<p:sld xmlns:a="http://schemas.openxmlformats.org/drawingml/2006/main" xmlns:r="http://schemas.openxmlformats.org/officeDocument/2006/relationships" xmlns:p="http://schemas.openxmlformats.org/presentationml/2006/main">
   <p:cSld>
     <p:spTree>
       <p:nvGrpSpPr>
@@ -3491,7 +3506,14 @@
         <p:cNvGrpSpPr/>
         <p:nvPr/>
       </p:nvGrpSpPr>
-      <p:grpSpPr/>
+      <p:grpSpPr>
+        <a:xfrm>
+          <a:off x="0" y="0"/>
+          <a:ext cx="0" cy="0"/>
+          <a:chOff x="0" y="0"/>
+          <a:chExt cx="0" cy="0"/>
+        </a:xfrm>
+      </p:grpSpPr>
       <p:sp>
         <p:nvSpPr>
           <p:cNvPr id="2" name="Title 1"/>
@@ -3528,25 +3550,21 @@
           <a:bodyPr/>
           <a:lstStyle/>
           <a:p>
-            <a:pPr/>
             <a:r>
               <a:t>6 спринтов × 2 недели</a:t>
             </a:r>
           </a:p>
           <a:p>
-            <a:pPr/>
             <a:r>
               <a:t>Пн 09:00 цели → Пт 17:00 «борд фактов»</a:t>
             </a:r>
           </a:p>
           <a:p>
-            <a:pPr/>
             <a:r>
               <a:t>WIP ≤ 3, weekly «голос поля»</a:t>
             </a:r>
           </a:p>
           <a:p>
-            <a:pPr/>
             <a:r>
               <a:t>Прозрачность эффектов и ROI</a:t>
             </a:r>

--- a/downloads/CFG_PitchDeck.pptx
+++ b/downloads/CFG_PitchDeck.pptx
@@ -5,12 +5,12 @@
     <p:sldMasterId id="2147483648" r:id="rId1"/>
   </p:sldMasterIdLst>
   <p:sldIdLst>
-    <p:sldId id="256" r:id="rId2"/>
-    <p:sldId id="257" r:id="rId3"/>
-    <p:sldId id="258" r:id="rId4"/>
-    <p:sldId id="259" r:id="rId5"/>
-    <p:sldId id="260" r:id="rId6"/>
-    <p:sldId id="261" r:id="rId7"/>
+    <p:sldId id="256" r:id="rId7"/>
+    <p:sldId id="257" r:id="rId8"/>
+    <p:sldId id="258" r:id="rId9"/>
+    <p:sldId id="259" r:id="rId10"/>
+    <p:sldId id="260" r:id="rId11"/>
+    <p:sldId id="261" r:id="rId12"/>
   </p:sldIdLst>
   <p:sldSz cx="9144000" cy="6858000" type="screen4x3"/>
   <p:notesSz cx="6858000" cy="9144000"/>
@@ -109,22 +109,6 @@
       </a:defRPr>
     </a:lvl9pPr>
   </p:defaultTextStyle>
-  <p:extLst>
-    <p:ext uri="{EFAFB233-063F-42B5-8137-9DF3F51BA10A}">
-      <p15:sldGuideLst xmlns:p15="http://schemas.microsoft.com/office/powerpoint/2012/main">
-        <p15:guide id="1" orient="horz" pos="2160">
-          <p15:clr>
-            <a:srgbClr val="A4A3A4"/>
-          </p15:clr>
-        </p15:guide>
-        <p15:guide id="2" pos="2880">
-          <p15:clr>
-            <a:srgbClr val="A4A3A4"/>
-          </p15:clr>
-        </p15:guide>
-      </p15:sldGuideLst>
-    </p:ext>
-  </p:extLst>
 </p:presentation>
 </file>
 
@@ -166,9 +150,10 @@
           <a:lstStyle/>
           <a:p>
             <a:r>
-              <a:rPr lang="en-US"/>
+              <a:rPr lang="en-US" smtClean="0"/>
               <a:t>Click to edit Master title style</a:t>
             </a:r>
+            <a:endParaRPr lang="en-US"/>
           </a:p>
         </p:txBody>
       </p:sp>
@@ -284,9 +269,10 @@
           </a:lstStyle>
           <a:p>
             <a:r>
-              <a:rPr lang="en-US"/>
+              <a:rPr lang="en-US" smtClean="0"/>
               <a:t>Click to edit Master subtitle style</a:t>
             </a:r>
+            <a:endParaRPr lang="en-US"/>
           </a:p>
         </p:txBody>
       </p:sp>
@@ -307,7 +293,7 @@
           <a:p>
             <a:fld id="{5BCAD085-E8A6-8845-BD4E-CB4CCA059FC4}" type="datetimeFigureOut">
               <a:rPr lang="en-US" smtClean="0"/>
-              <a:t>9/17/2025</a:t>
+              <a:t>1/27/13</a:t>
             </a:fld>
             <a:endParaRPr lang="en-US"/>
           </a:p>
@@ -401,9 +387,10 @@
           <a:lstStyle/>
           <a:p>
             <a:r>
-              <a:rPr lang="en-US"/>
+              <a:rPr lang="en-US" smtClean="0"/>
               <a:t>Click to edit Master title style</a:t>
             </a:r>
+            <a:endParaRPr lang="en-US"/>
           </a:p>
         </p:txBody>
       </p:sp>
@@ -424,37 +411,38 @@
           <a:p>
             <a:pPr lvl="0"/>
             <a:r>
-              <a:rPr lang="en-US"/>
+              <a:rPr lang="en-US" smtClean="0"/>
               <a:t>Click to edit Master text styles</a:t>
             </a:r>
           </a:p>
           <a:p>
             <a:pPr lvl="1"/>
             <a:r>
-              <a:rPr lang="en-US"/>
+              <a:rPr lang="en-US" smtClean="0"/>
               <a:t>Second level</a:t>
             </a:r>
           </a:p>
           <a:p>
             <a:pPr lvl="2"/>
             <a:r>
-              <a:rPr lang="en-US"/>
+              <a:rPr lang="en-US" smtClean="0"/>
               <a:t>Third level</a:t>
             </a:r>
           </a:p>
           <a:p>
             <a:pPr lvl="3"/>
             <a:r>
-              <a:rPr lang="en-US"/>
+              <a:rPr lang="en-US" smtClean="0"/>
               <a:t>Fourth level</a:t>
             </a:r>
           </a:p>
           <a:p>
             <a:pPr lvl="4"/>
             <a:r>
-              <a:rPr lang="en-US"/>
+              <a:rPr lang="en-US" smtClean="0"/>
               <a:t>Fifth level</a:t>
             </a:r>
+            <a:endParaRPr lang="en-US"/>
           </a:p>
         </p:txBody>
       </p:sp>
@@ -475,7 +463,7 @@
           <a:p>
             <a:fld id="{5BCAD085-E8A6-8845-BD4E-CB4CCA059FC4}" type="datetimeFigureOut">
               <a:rPr lang="en-US" smtClean="0"/>
-              <a:t>9/17/2025</a:t>
+              <a:t>1/27/13</a:t>
             </a:fld>
             <a:endParaRPr lang="en-US"/>
           </a:p>
@@ -574,9 +562,10 @@
           <a:lstStyle/>
           <a:p>
             <a:r>
-              <a:rPr lang="en-US"/>
+              <a:rPr lang="en-US" smtClean="0"/>
               <a:t>Click to edit Master title style</a:t>
             </a:r>
+            <a:endParaRPr lang="en-US"/>
           </a:p>
         </p:txBody>
       </p:sp>
@@ -602,37 +591,38 @@
           <a:p>
             <a:pPr lvl="0"/>
             <a:r>
-              <a:rPr lang="en-US"/>
+              <a:rPr lang="en-US" smtClean="0"/>
               <a:t>Click to edit Master text styles</a:t>
             </a:r>
           </a:p>
           <a:p>
             <a:pPr lvl="1"/>
             <a:r>
-              <a:rPr lang="en-US"/>
+              <a:rPr lang="en-US" smtClean="0"/>
               <a:t>Second level</a:t>
             </a:r>
           </a:p>
           <a:p>
             <a:pPr lvl="2"/>
             <a:r>
-              <a:rPr lang="en-US"/>
+              <a:rPr lang="en-US" smtClean="0"/>
               <a:t>Third level</a:t>
             </a:r>
           </a:p>
           <a:p>
             <a:pPr lvl="3"/>
             <a:r>
-              <a:rPr lang="en-US"/>
+              <a:rPr lang="en-US" smtClean="0"/>
               <a:t>Fourth level</a:t>
             </a:r>
           </a:p>
           <a:p>
             <a:pPr lvl="4"/>
             <a:r>
-              <a:rPr lang="en-US"/>
+              <a:rPr lang="en-US" smtClean="0"/>
               <a:t>Fifth level</a:t>
             </a:r>
+            <a:endParaRPr lang="en-US"/>
           </a:p>
         </p:txBody>
       </p:sp>
@@ -653,7 +643,7 @@
           <a:p>
             <a:fld id="{5BCAD085-E8A6-8845-BD4E-CB4CCA059FC4}" type="datetimeFigureOut">
               <a:rPr lang="en-US" smtClean="0"/>
-              <a:t>9/17/2025</a:t>
+              <a:t>1/27/13</a:t>
             </a:fld>
             <a:endParaRPr lang="en-US"/>
           </a:p>
@@ -747,9 +737,10 @@
           <a:lstStyle/>
           <a:p>
             <a:r>
-              <a:rPr lang="en-US"/>
+              <a:rPr lang="en-US" smtClean="0"/>
               <a:t>Click to edit Master title style</a:t>
             </a:r>
+            <a:endParaRPr lang="en-US"/>
           </a:p>
         </p:txBody>
       </p:sp>
@@ -770,37 +761,38 @@
           <a:p>
             <a:pPr lvl="0"/>
             <a:r>
-              <a:rPr lang="en-US"/>
+              <a:rPr lang="en-US" smtClean="0"/>
               <a:t>Click to edit Master text styles</a:t>
             </a:r>
           </a:p>
           <a:p>
             <a:pPr lvl="1"/>
             <a:r>
-              <a:rPr lang="en-US"/>
+              <a:rPr lang="en-US" smtClean="0"/>
               <a:t>Second level</a:t>
             </a:r>
           </a:p>
           <a:p>
             <a:pPr lvl="2"/>
             <a:r>
-              <a:rPr lang="en-US"/>
+              <a:rPr lang="en-US" smtClean="0"/>
               <a:t>Third level</a:t>
             </a:r>
           </a:p>
           <a:p>
             <a:pPr lvl="3"/>
             <a:r>
-              <a:rPr lang="en-US"/>
+              <a:rPr lang="en-US" smtClean="0"/>
               <a:t>Fourth level</a:t>
             </a:r>
           </a:p>
           <a:p>
             <a:pPr lvl="4"/>
             <a:r>
-              <a:rPr lang="en-US"/>
+              <a:rPr lang="en-US" smtClean="0"/>
               <a:t>Fifth level</a:t>
             </a:r>
+            <a:endParaRPr lang="en-US"/>
           </a:p>
         </p:txBody>
       </p:sp>
@@ -821,7 +813,7 @@
           <a:p>
             <a:fld id="{5BCAD085-E8A6-8845-BD4E-CB4CCA059FC4}" type="datetimeFigureOut">
               <a:rPr lang="en-US" smtClean="0"/>
-              <a:t>9/17/2025</a:t>
+              <a:t>1/27/13</a:t>
             </a:fld>
             <a:endParaRPr lang="en-US"/>
           </a:p>
@@ -924,9 +916,10 @@
           </a:lstStyle>
           <a:p>
             <a:r>
-              <a:rPr lang="en-US"/>
+              <a:rPr lang="en-US" smtClean="0"/>
               <a:t>Click to edit Master title style</a:t>
             </a:r>
+            <a:endParaRPr lang="en-US"/>
           </a:p>
         </p:txBody>
       </p:sp>
@@ -1043,7 +1036,7 @@
           <a:p>
             <a:pPr lvl="0"/>
             <a:r>
-              <a:rPr lang="en-US"/>
+              <a:rPr lang="en-US" smtClean="0"/>
               <a:t>Click to edit Master text styles</a:t>
             </a:r>
           </a:p>
@@ -1066,7 +1059,7 @@
           <a:p>
             <a:fld id="{5BCAD085-E8A6-8845-BD4E-CB4CCA059FC4}" type="datetimeFigureOut">
               <a:rPr lang="en-US" smtClean="0"/>
-              <a:t>9/17/2025</a:t>
+              <a:t>1/27/13</a:t>
             </a:fld>
             <a:endParaRPr lang="en-US"/>
           </a:p>
@@ -1160,9 +1153,10 @@
           <a:lstStyle/>
           <a:p>
             <a:r>
-              <a:rPr lang="en-US"/>
+              <a:rPr lang="en-US" smtClean="0"/>
               <a:t>Click to edit Master title style</a:t>
             </a:r>
+            <a:endParaRPr lang="en-US"/>
           </a:p>
         </p:txBody>
       </p:sp>
@@ -1216,37 +1210,38 @@
           <a:p>
             <a:pPr lvl="0"/>
             <a:r>
-              <a:rPr lang="en-US"/>
+              <a:rPr lang="en-US" smtClean="0"/>
               <a:t>Click to edit Master text styles</a:t>
             </a:r>
           </a:p>
           <a:p>
             <a:pPr lvl="1"/>
             <a:r>
-              <a:rPr lang="en-US"/>
+              <a:rPr lang="en-US" smtClean="0"/>
               <a:t>Second level</a:t>
             </a:r>
           </a:p>
           <a:p>
             <a:pPr lvl="2"/>
             <a:r>
-              <a:rPr lang="en-US"/>
+              <a:rPr lang="en-US" smtClean="0"/>
               <a:t>Third level</a:t>
             </a:r>
           </a:p>
           <a:p>
             <a:pPr lvl="3"/>
             <a:r>
-              <a:rPr lang="en-US"/>
+              <a:rPr lang="en-US" smtClean="0"/>
               <a:t>Fourth level</a:t>
             </a:r>
           </a:p>
           <a:p>
             <a:pPr lvl="4"/>
             <a:r>
-              <a:rPr lang="en-US"/>
+              <a:rPr lang="en-US" smtClean="0"/>
               <a:t>Fifth level</a:t>
             </a:r>
+            <a:endParaRPr lang="en-US"/>
           </a:p>
         </p:txBody>
       </p:sp>
@@ -1300,37 +1295,38 @@
           <a:p>
             <a:pPr lvl="0"/>
             <a:r>
-              <a:rPr lang="en-US"/>
+              <a:rPr lang="en-US" smtClean="0"/>
               <a:t>Click to edit Master text styles</a:t>
             </a:r>
           </a:p>
           <a:p>
             <a:pPr lvl="1"/>
             <a:r>
-              <a:rPr lang="en-US"/>
+              <a:rPr lang="en-US" smtClean="0"/>
               <a:t>Second level</a:t>
             </a:r>
           </a:p>
           <a:p>
             <a:pPr lvl="2"/>
             <a:r>
-              <a:rPr lang="en-US"/>
+              <a:rPr lang="en-US" smtClean="0"/>
               <a:t>Third level</a:t>
             </a:r>
           </a:p>
           <a:p>
             <a:pPr lvl="3"/>
             <a:r>
-              <a:rPr lang="en-US"/>
+              <a:rPr lang="en-US" smtClean="0"/>
               <a:t>Fourth level</a:t>
             </a:r>
           </a:p>
           <a:p>
             <a:pPr lvl="4"/>
             <a:r>
-              <a:rPr lang="en-US"/>
+              <a:rPr lang="en-US" smtClean="0"/>
               <a:t>Fifth level</a:t>
             </a:r>
+            <a:endParaRPr lang="en-US"/>
           </a:p>
         </p:txBody>
       </p:sp>
@@ -1351,7 +1347,7 @@
           <a:p>
             <a:fld id="{5BCAD085-E8A6-8845-BD4E-CB4CCA059FC4}" type="datetimeFigureOut">
               <a:rPr lang="en-US" smtClean="0"/>
-              <a:t>9/17/2025</a:t>
+              <a:t>1/27/13</a:t>
             </a:fld>
             <a:endParaRPr lang="en-US"/>
           </a:p>
@@ -1449,9 +1445,10 @@
           </a:lstStyle>
           <a:p>
             <a:r>
-              <a:rPr lang="en-US"/>
+              <a:rPr lang="en-US" smtClean="0"/>
               <a:t>Click to edit Master title style</a:t>
             </a:r>
+            <a:endParaRPr lang="en-US"/>
           </a:p>
         </p:txBody>
       </p:sp>
@@ -1514,7 +1511,7 @@
           <a:p>
             <a:pPr lvl="0"/>
             <a:r>
-              <a:rPr lang="en-US"/>
+              <a:rPr lang="en-US" smtClean="0"/>
               <a:t>Click to edit Master text styles</a:t>
             </a:r>
           </a:p>
@@ -1570,37 +1567,38 @@
           <a:p>
             <a:pPr lvl="0"/>
             <a:r>
-              <a:rPr lang="en-US"/>
+              <a:rPr lang="en-US" smtClean="0"/>
               <a:t>Click to edit Master text styles</a:t>
             </a:r>
           </a:p>
           <a:p>
             <a:pPr lvl="1"/>
             <a:r>
-              <a:rPr lang="en-US"/>
+              <a:rPr lang="en-US" smtClean="0"/>
               <a:t>Second level</a:t>
             </a:r>
           </a:p>
           <a:p>
             <a:pPr lvl="2"/>
             <a:r>
-              <a:rPr lang="en-US"/>
+              <a:rPr lang="en-US" smtClean="0"/>
               <a:t>Third level</a:t>
             </a:r>
           </a:p>
           <a:p>
             <a:pPr lvl="3"/>
             <a:r>
-              <a:rPr lang="en-US"/>
+              <a:rPr lang="en-US" smtClean="0"/>
               <a:t>Fourth level</a:t>
             </a:r>
           </a:p>
           <a:p>
             <a:pPr lvl="4"/>
             <a:r>
-              <a:rPr lang="en-US"/>
+              <a:rPr lang="en-US" smtClean="0"/>
               <a:t>Fifth level</a:t>
             </a:r>
+            <a:endParaRPr lang="en-US"/>
           </a:p>
         </p:txBody>
       </p:sp>
@@ -1663,7 +1661,7 @@
           <a:p>
             <a:pPr lvl="0"/>
             <a:r>
-              <a:rPr lang="en-US"/>
+              <a:rPr lang="en-US" smtClean="0"/>
               <a:t>Click to edit Master text styles</a:t>
             </a:r>
           </a:p>
@@ -1719,37 +1717,38 @@
           <a:p>
             <a:pPr lvl="0"/>
             <a:r>
-              <a:rPr lang="en-US"/>
+              <a:rPr lang="en-US" smtClean="0"/>
               <a:t>Click to edit Master text styles</a:t>
             </a:r>
           </a:p>
           <a:p>
             <a:pPr lvl="1"/>
             <a:r>
-              <a:rPr lang="en-US"/>
+              <a:rPr lang="en-US" smtClean="0"/>
               <a:t>Second level</a:t>
             </a:r>
           </a:p>
           <a:p>
             <a:pPr lvl="2"/>
             <a:r>
-              <a:rPr lang="en-US"/>
+              <a:rPr lang="en-US" smtClean="0"/>
               <a:t>Third level</a:t>
             </a:r>
           </a:p>
           <a:p>
             <a:pPr lvl="3"/>
             <a:r>
-              <a:rPr lang="en-US"/>
+              <a:rPr lang="en-US" smtClean="0"/>
               <a:t>Fourth level</a:t>
             </a:r>
           </a:p>
           <a:p>
             <a:pPr lvl="4"/>
             <a:r>
-              <a:rPr lang="en-US"/>
+              <a:rPr lang="en-US" smtClean="0"/>
               <a:t>Fifth level</a:t>
             </a:r>
+            <a:endParaRPr lang="en-US"/>
           </a:p>
         </p:txBody>
       </p:sp>
@@ -1770,7 +1769,7 @@
           <a:p>
             <a:fld id="{5BCAD085-E8A6-8845-BD4E-CB4CCA059FC4}" type="datetimeFigureOut">
               <a:rPr lang="en-US" smtClean="0"/>
-              <a:t>9/17/2025</a:t>
+              <a:t>1/27/13</a:t>
             </a:fld>
             <a:endParaRPr lang="en-US"/>
           </a:p>
@@ -1864,9 +1863,10 @@
           <a:lstStyle/>
           <a:p>
             <a:r>
-              <a:rPr lang="en-US"/>
+              <a:rPr lang="en-US" smtClean="0"/>
               <a:t>Click to edit Master title style</a:t>
             </a:r>
+            <a:endParaRPr lang="en-US"/>
           </a:p>
         </p:txBody>
       </p:sp>
@@ -1887,7 +1887,7 @@
           <a:p>
             <a:fld id="{5BCAD085-E8A6-8845-BD4E-CB4CCA059FC4}" type="datetimeFigureOut">
               <a:rPr lang="en-US" smtClean="0"/>
-              <a:t>9/17/2025</a:t>
+              <a:t>1/27/13</a:t>
             </a:fld>
             <a:endParaRPr lang="en-US"/>
           </a:p>
@@ -1982,7 +1982,7 @@
           <a:p>
             <a:fld id="{5BCAD085-E8A6-8845-BD4E-CB4CCA059FC4}" type="datetimeFigureOut">
               <a:rPr lang="en-US" smtClean="0"/>
-              <a:t>9/17/2025</a:t>
+              <a:t>1/27/13</a:t>
             </a:fld>
             <a:endParaRPr lang="en-US"/>
           </a:p>
@@ -2085,9 +2085,10 @@
           </a:lstStyle>
           <a:p>
             <a:r>
-              <a:rPr lang="en-US"/>
+              <a:rPr lang="en-US" smtClean="0"/>
               <a:t>Click to edit Master title style</a:t>
             </a:r>
+            <a:endParaRPr lang="en-US"/>
           </a:p>
         </p:txBody>
       </p:sp>
@@ -2141,37 +2142,38 @@
           <a:p>
             <a:pPr lvl="0"/>
             <a:r>
-              <a:rPr lang="en-US"/>
+              <a:rPr lang="en-US" smtClean="0"/>
               <a:t>Click to edit Master text styles</a:t>
             </a:r>
           </a:p>
           <a:p>
             <a:pPr lvl="1"/>
             <a:r>
-              <a:rPr lang="en-US"/>
+              <a:rPr lang="en-US" smtClean="0"/>
               <a:t>Second level</a:t>
             </a:r>
           </a:p>
           <a:p>
             <a:pPr lvl="2"/>
             <a:r>
-              <a:rPr lang="en-US"/>
+              <a:rPr lang="en-US" smtClean="0"/>
               <a:t>Third level</a:t>
             </a:r>
           </a:p>
           <a:p>
             <a:pPr lvl="3"/>
             <a:r>
-              <a:rPr lang="en-US"/>
+              <a:rPr lang="en-US" smtClean="0"/>
               <a:t>Fourth level</a:t>
             </a:r>
           </a:p>
           <a:p>
             <a:pPr lvl="4"/>
             <a:r>
-              <a:rPr lang="en-US"/>
+              <a:rPr lang="en-US" smtClean="0"/>
               <a:t>Fifth level</a:t>
             </a:r>
+            <a:endParaRPr lang="en-US"/>
           </a:p>
         </p:txBody>
       </p:sp>
@@ -2234,7 +2236,7 @@
           <a:p>
             <a:pPr lvl="0"/>
             <a:r>
-              <a:rPr lang="en-US"/>
+              <a:rPr lang="en-US" smtClean="0"/>
               <a:t>Click to edit Master text styles</a:t>
             </a:r>
           </a:p>
@@ -2257,7 +2259,7 @@
           <a:p>
             <a:fld id="{5BCAD085-E8A6-8845-BD4E-CB4CCA059FC4}" type="datetimeFigureOut">
               <a:rPr lang="en-US" smtClean="0"/>
-              <a:t>9/17/2025</a:t>
+              <a:t>1/27/13</a:t>
             </a:fld>
             <a:endParaRPr lang="en-US"/>
           </a:p>
@@ -2360,9 +2362,10 @@
           </a:lstStyle>
           <a:p>
             <a:r>
-              <a:rPr lang="en-US"/>
+              <a:rPr lang="en-US" smtClean="0"/>
               <a:t>Click to edit Master title style</a:t>
             </a:r>
+            <a:endParaRPr lang="en-US"/>
           </a:p>
         </p:txBody>
       </p:sp>
@@ -2486,7 +2489,7 @@
           <a:p>
             <a:pPr lvl="0"/>
             <a:r>
-              <a:rPr lang="en-US"/>
+              <a:rPr lang="en-US" smtClean="0"/>
               <a:t>Click to edit Master text styles</a:t>
             </a:r>
           </a:p>
@@ -2509,7 +2512,7 @@
           <a:p>
             <a:fld id="{5BCAD085-E8A6-8845-BD4E-CB4CCA059FC4}" type="datetimeFigureOut">
               <a:rPr lang="en-US" smtClean="0"/>
-              <a:t>9/17/2025</a:t>
+              <a:t>1/27/13</a:t>
             </a:fld>
             <a:endParaRPr lang="en-US"/>
           </a:p>
@@ -2618,9 +2621,10 @@
           <a:lstStyle/>
           <a:p>
             <a:r>
-              <a:rPr lang="en-US"/>
+              <a:rPr lang="en-US" smtClean="0"/>
               <a:t>Click to edit Master title style</a:t>
             </a:r>
+            <a:endParaRPr lang="en-US"/>
           </a:p>
         </p:txBody>
       </p:sp>
@@ -2651,37 +2655,38 @@
           <a:p>
             <a:pPr lvl="0"/>
             <a:r>
-              <a:rPr lang="en-US"/>
+              <a:rPr lang="en-US" smtClean="0"/>
               <a:t>Click to edit Master text styles</a:t>
             </a:r>
           </a:p>
           <a:p>
             <a:pPr lvl="1"/>
             <a:r>
-              <a:rPr lang="en-US"/>
+              <a:rPr lang="en-US" smtClean="0"/>
               <a:t>Second level</a:t>
             </a:r>
           </a:p>
           <a:p>
             <a:pPr lvl="2"/>
             <a:r>
-              <a:rPr lang="en-US"/>
+              <a:rPr lang="en-US" smtClean="0"/>
               <a:t>Third level</a:t>
             </a:r>
           </a:p>
           <a:p>
             <a:pPr lvl="3"/>
             <a:r>
-              <a:rPr lang="en-US"/>
+              <a:rPr lang="en-US" smtClean="0"/>
               <a:t>Fourth level</a:t>
             </a:r>
           </a:p>
           <a:p>
             <a:pPr lvl="4"/>
             <a:r>
-              <a:rPr lang="en-US"/>
+              <a:rPr lang="en-US" smtClean="0"/>
               <a:t>Fifth level</a:t>
             </a:r>
+            <a:endParaRPr lang="en-US"/>
           </a:p>
         </p:txBody>
       </p:sp>
@@ -2720,7 +2725,7 @@
           <a:p>
             <a:fld id="{5BCAD085-E8A6-8845-BD4E-CB4CCA059FC4}" type="datetimeFigureOut">
               <a:rPr lang="en-US" smtClean="0"/>
-              <a:t>9/17/2025</a:t>
+              <a:t>1/27/13</a:t>
             </a:fld>
             <a:endParaRPr lang="en-US"/>
           </a:p>
@@ -3079,7 +3084,7 @@
 </file>
 
 <file path=ppt/slides/slide1.xml><?xml version="1.0" encoding="utf-8"?>
-<p:sld xmlns:a="http://schemas.openxmlformats.org/drawingml/2006/main" xmlns:r="http://schemas.openxmlformats.org/officeDocument/2006/relationships" xmlns:p="http://schemas.openxmlformats.org/presentationml/2006/main">
+<p:sld xmlns:a="http://schemas.openxmlformats.org/drawingml/2006/main" xmlns:p="http://schemas.openxmlformats.org/presentationml/2006/main" xmlns:r="http://schemas.openxmlformats.org/officeDocument/2006/relationships">
   <p:cSld>
     <p:spTree>
       <p:nvGrpSpPr>
@@ -3087,14 +3092,7 @@
         <p:cNvGrpSpPr/>
         <p:nvPr/>
       </p:nvGrpSpPr>
-      <p:grpSpPr>
-        <a:xfrm>
-          <a:off x="0" y="0"/>
-          <a:ext cx="0" cy="0"/>
-          <a:chOff x="0" y="0"/>
-          <a:chExt cx="0" cy="0"/>
-        </a:xfrm>
-      </p:grpSpPr>
+      <p:grpSpPr/>
       <p:sp>
         <p:nvSpPr>
           <p:cNvPr id="2" name="Title 1"/>
@@ -3158,8 +3156,8 @@
         </p:blipFill>
         <p:spPr>
           <a:xfrm>
-            <a:off x="7473696" y="173736"/>
-            <a:ext cx="1359408" cy="2039112"/>
+            <a:off x="6583680" y="457200"/>
+            <a:ext cx="1645920" cy="2468880"/>
           </a:xfrm>
           <a:prstGeom prst="rect">
             <a:avLst/>
@@ -3175,7 +3173,7 @@
 </file>
 
 <file path=ppt/slides/slide2.xml><?xml version="1.0" encoding="utf-8"?>
-<p:sld xmlns:a="http://schemas.openxmlformats.org/drawingml/2006/main" xmlns:r="http://schemas.openxmlformats.org/officeDocument/2006/relationships" xmlns:p="http://schemas.openxmlformats.org/presentationml/2006/main">
+<p:sld xmlns:a="http://schemas.openxmlformats.org/drawingml/2006/main" xmlns:p="http://schemas.openxmlformats.org/presentationml/2006/main" xmlns:r="http://schemas.openxmlformats.org/officeDocument/2006/relationships">
   <p:cSld>
     <p:spTree>
       <p:nvGrpSpPr>
@@ -3183,14 +3181,7 @@
         <p:cNvGrpSpPr/>
         <p:nvPr/>
       </p:nvGrpSpPr>
-      <p:grpSpPr>
-        <a:xfrm>
-          <a:off x="0" y="0"/>
-          <a:ext cx="0" cy="0"/>
-          <a:chOff x="0" y="0"/>
-          <a:chExt cx="0" cy="0"/>
-        </a:xfrm>
-      </p:grpSpPr>
+      <p:grpSpPr/>
       <p:sp>
         <p:nvSpPr>
           <p:cNvPr id="2" name="Title 1"/>
@@ -3227,21 +3218,25 @@
           <a:bodyPr/>
           <a:lstStyle/>
           <a:p>
+            <a:pPr/>
             <a:r>
               <a:t>Нет управленческой отчётности в одном окне</a:t>
             </a:r>
           </a:p>
           <a:p>
+            <a:pPr/>
             <a:r>
               <a:t>Слабая мотивация: нет связи KPI ↔ деньги</a:t>
             </a:r>
           </a:p>
           <a:p>
+            <a:pPr/>
             <a:r>
               <a:t>Слишком много инициатив без эффекта</a:t>
             </a:r>
           </a:p>
           <a:p>
+            <a:pPr/>
             <a:r>
               <a:t>Нужны быстрые победы без тяжёлого IT</a:t>
             </a:r>
@@ -3257,7 +3252,7 @@
 </file>
 
 <file path=ppt/slides/slide3.xml><?xml version="1.0" encoding="utf-8"?>
-<p:sld xmlns:a="http://schemas.openxmlformats.org/drawingml/2006/main" xmlns:r="http://schemas.openxmlformats.org/officeDocument/2006/relationships" xmlns:p="http://schemas.openxmlformats.org/presentationml/2006/main">
+<p:sld xmlns:a="http://schemas.openxmlformats.org/drawingml/2006/main" xmlns:p="http://schemas.openxmlformats.org/presentationml/2006/main" xmlns:r="http://schemas.openxmlformats.org/officeDocument/2006/relationships">
   <p:cSld>
     <p:spTree>
       <p:nvGrpSpPr>
@@ -3265,14 +3260,7 @@
         <p:cNvGrpSpPr/>
         <p:nvPr/>
       </p:nvGrpSpPr>
-      <p:grpSpPr>
-        <a:xfrm>
-          <a:off x="0" y="0"/>
-          <a:ext cx="0" cy="0"/>
-          <a:chOff x="0" y="0"/>
-          <a:chExt cx="0" cy="0"/>
-        </a:xfrm>
-      </p:grpSpPr>
+      <p:grpSpPr/>
       <p:sp>
         <p:nvSpPr>
           <p:cNvPr id="2" name="Title 1"/>
@@ -3309,16 +3297,19 @@
           <a:bodyPr/>
           <a:lstStyle/>
           <a:p>
+            <a:pPr/>
             <a:r>
               <a:t>Фракционный COO/CGO</a:t>
             </a:r>
           </a:p>
           <a:p>
+            <a:pPr/>
             <a:r>
               <a:t>3–5 инициатив до денег за 12 недель</a:t>
             </a:r>
           </a:p>
           <a:p>
+            <a:pPr/>
             <a:r>
               <a:t>DPPM-12: Данные → Люди → Процессы → Рынок</a:t>
             </a:r>
@@ -3334,7 +3325,7 @@
 </file>
 
 <file path=ppt/slides/slide4.xml><?xml version="1.0" encoding="utf-8"?>
-<p:sld xmlns:a="http://schemas.openxmlformats.org/drawingml/2006/main" xmlns:r="http://schemas.openxmlformats.org/officeDocument/2006/relationships" xmlns:p="http://schemas.openxmlformats.org/presentationml/2006/main">
+<p:sld xmlns:a="http://schemas.openxmlformats.org/drawingml/2006/main" xmlns:p="http://schemas.openxmlformats.org/presentationml/2006/main" xmlns:r="http://schemas.openxmlformats.org/officeDocument/2006/relationships">
   <p:cSld>
     <p:spTree>
       <p:nvGrpSpPr>
@@ -3342,14 +3333,7 @@
         <p:cNvGrpSpPr/>
         <p:nvPr/>
       </p:nvGrpSpPr>
-      <p:grpSpPr>
-        <a:xfrm>
-          <a:off x="0" y="0"/>
-          <a:ext cx="0" cy="0"/>
-          <a:chOff x="0" y="0"/>
-          <a:chExt cx="0" cy="0"/>
-        </a:xfrm>
-      </p:grpSpPr>
+      <p:grpSpPr/>
       <p:sp>
         <p:nvSpPr>
           <p:cNvPr id="2" name="Title 1"/>
@@ -3386,21 +3370,25 @@
           <a:bodyPr/>
           <a:lstStyle/>
           <a:p>
+            <a:pPr/>
             <a:r>
               <a:t>Диагностика 10 дней (₽90–150k)</a:t>
             </a:r>
           </a:p>
           <a:p>
+            <a:pPr/>
             <a:r>
               <a:t>Внедрение 12 недель (₽450–900k или ₽250–400k/мес + KPI)</a:t>
             </a:r>
           </a:p>
           <a:p>
+            <a:pPr/>
             <a:r>
               <a:t>Operate 6–12 мес (≤2 клиента)</a:t>
             </a:r>
           </a:p>
           <a:p>
+            <a:pPr/>
             <a:r>
               <a:t>Data-Block 3 недели | Sales-Boost 4 недели</a:t>
             </a:r>
@@ -3416,7 +3404,7 @@
 </file>
 
 <file path=ppt/slides/slide5.xml><?xml version="1.0" encoding="utf-8"?>
-<p:sld xmlns:a="http://schemas.openxmlformats.org/drawingml/2006/main" xmlns:r="http://schemas.openxmlformats.org/officeDocument/2006/relationships" xmlns:p="http://schemas.openxmlformats.org/presentationml/2006/main">
+<p:sld xmlns:a="http://schemas.openxmlformats.org/drawingml/2006/main" xmlns:p="http://schemas.openxmlformats.org/presentationml/2006/main" xmlns:r="http://schemas.openxmlformats.org/officeDocument/2006/relationships">
   <p:cSld>
     <p:spTree>
       <p:nvGrpSpPr>
@@ -3424,14 +3412,7 @@
         <p:cNvGrpSpPr/>
         <p:nvPr/>
       </p:nvGrpSpPr>
-      <p:grpSpPr>
-        <a:xfrm>
-          <a:off x="0" y="0"/>
-          <a:ext cx="0" cy="0"/>
-          <a:chOff x="0" y="0"/>
-          <a:chExt cx="0" cy="0"/>
-        </a:xfrm>
-      </p:grpSpPr>
+      <p:grpSpPr/>
       <p:sp>
         <p:nvSpPr>
           <p:cNvPr id="2" name="Title 1"/>
@@ -3468,21 +3449,25 @@
           <a:bodyPr/>
           <a:lstStyle/>
           <a:p>
+            <a:pPr/>
             <a:r>
               <a:t>Рынок: доля до 33% (банк)</a:t>
             </a:r>
           </a:p>
           <a:p>
+            <a:pPr/>
             <a:r>
               <a:t>DIY: запуск B2B</a:t>
             </a:r>
           </a:p>
           <a:p>
+            <a:pPr/>
             <a:r>
               <a:t>Авто: конверсия до 27% + отчётность</a:t>
             </a:r>
           </a:p>
           <a:p>
+            <a:pPr/>
             <a:r>
               <a:t>1600+ интервью, 1000+ наймов</a:t>
             </a:r>
@@ -3498,7 +3483,7 @@
 </file>
 
 <file path=ppt/slides/slide6.xml><?xml version="1.0" encoding="utf-8"?>
-<p:sld xmlns:a="http://schemas.openxmlformats.org/drawingml/2006/main" xmlns:r="http://schemas.openxmlformats.org/officeDocument/2006/relationships" xmlns:p="http://schemas.openxmlformats.org/presentationml/2006/main">
+<p:sld xmlns:a="http://schemas.openxmlformats.org/drawingml/2006/main" xmlns:p="http://schemas.openxmlformats.org/presentationml/2006/main" xmlns:r="http://schemas.openxmlformats.org/officeDocument/2006/relationships">
   <p:cSld>
     <p:spTree>
       <p:nvGrpSpPr>
@@ -3506,14 +3491,7 @@
         <p:cNvGrpSpPr/>
         <p:nvPr/>
       </p:nvGrpSpPr>
-      <p:grpSpPr>
-        <a:xfrm>
-          <a:off x="0" y="0"/>
-          <a:ext cx="0" cy="0"/>
-          <a:chOff x="0" y="0"/>
-          <a:chExt cx="0" cy="0"/>
-        </a:xfrm>
-      </p:grpSpPr>
+      <p:grpSpPr/>
       <p:sp>
         <p:nvSpPr>
           <p:cNvPr id="2" name="Title 1"/>
@@ -3550,21 +3528,25 @@
           <a:bodyPr/>
           <a:lstStyle/>
           <a:p>
+            <a:pPr/>
             <a:r>
               <a:t>6 спринтов × 2 недели</a:t>
             </a:r>
           </a:p>
           <a:p>
+            <a:pPr/>
             <a:r>
               <a:t>Пн 09:00 цели → Пт 17:00 «борд фактов»</a:t>
             </a:r>
           </a:p>
           <a:p>
+            <a:pPr/>
             <a:r>
               <a:t>WIP ≤ 3, weekly «голос поля»</a:t>
             </a:r>
           </a:p>
           <a:p>
+            <a:pPr/>
             <a:r>
               <a:t>Прозрачность эффектов и ROI</a:t>
             </a:r>

--- a/downloads/CFG_PitchDeck.pptx
+++ b/downloads/CFG_PitchDeck.pptx
@@ -5,12 +5,15 @@
     <p:sldMasterId id="2147483648" r:id="rId1"/>
   </p:sldMasterIdLst>
   <p:sldIdLst>
-    <p:sldId id="256" r:id="rId2"/>
-    <p:sldId id="257" r:id="rId3"/>
-    <p:sldId id="258" r:id="rId4"/>
-    <p:sldId id="259" r:id="rId5"/>
-    <p:sldId id="260" r:id="rId6"/>
-    <p:sldId id="261" r:id="rId7"/>
+    <p:sldId id="256" r:id="rId7"/>
+    <p:sldId id="257" r:id="rId8"/>
+    <p:sldId id="258" r:id="rId9"/>
+    <p:sldId id="259" r:id="rId10"/>
+    <p:sldId id="260" r:id="rId11"/>
+    <p:sldId id="261" r:id="rId12"/>
+    <p:sldId id="262" r:id="rId13"/>
+    <p:sldId id="263" r:id="rId14"/>
+    <p:sldId id="264" r:id="rId15"/>
   </p:sldIdLst>
   <p:sldSz cx="9144000" cy="6858000" type="screen4x3"/>
   <p:notesSz cx="6858000" cy="9144000"/>
@@ -109,22 +112,6 @@
       </a:defRPr>
     </a:lvl9pPr>
   </p:defaultTextStyle>
-  <p:extLst>
-    <p:ext uri="{EFAFB233-063F-42B5-8137-9DF3F51BA10A}">
-      <p15:sldGuideLst xmlns:p15="http://schemas.microsoft.com/office/powerpoint/2012/main">
-        <p15:guide id="1" orient="horz" pos="2160">
-          <p15:clr>
-            <a:srgbClr val="A4A3A4"/>
-          </p15:clr>
-        </p15:guide>
-        <p15:guide id="2" pos="2880">
-          <p15:clr>
-            <a:srgbClr val="A4A3A4"/>
-          </p15:clr>
-        </p15:guide>
-      </p15:sldGuideLst>
-    </p:ext>
-  </p:extLst>
 </p:presentation>
 </file>
 
@@ -166,9 +153,10 @@
           <a:lstStyle/>
           <a:p>
             <a:r>
-              <a:rPr lang="en-US"/>
+              <a:rPr lang="en-US" smtClean="0"/>
               <a:t>Click to edit Master title style</a:t>
             </a:r>
+            <a:endParaRPr lang="en-US"/>
           </a:p>
         </p:txBody>
       </p:sp>
@@ -284,9 +272,10 @@
           </a:lstStyle>
           <a:p>
             <a:r>
-              <a:rPr lang="en-US"/>
+              <a:rPr lang="en-US" smtClean="0"/>
               <a:t>Click to edit Master subtitle style</a:t>
             </a:r>
+            <a:endParaRPr lang="en-US"/>
           </a:p>
         </p:txBody>
       </p:sp>
@@ -307,7 +296,7 @@
           <a:p>
             <a:fld id="{5BCAD085-E8A6-8845-BD4E-CB4CCA059FC4}" type="datetimeFigureOut">
               <a:rPr lang="en-US" smtClean="0"/>
-              <a:t>9/17/2025</a:t>
+              <a:t>1/27/13</a:t>
             </a:fld>
             <a:endParaRPr lang="en-US"/>
           </a:p>
@@ -401,9 +390,10 @@
           <a:lstStyle/>
           <a:p>
             <a:r>
-              <a:rPr lang="en-US"/>
+              <a:rPr lang="en-US" smtClean="0"/>
               <a:t>Click to edit Master title style</a:t>
             </a:r>
+            <a:endParaRPr lang="en-US"/>
           </a:p>
         </p:txBody>
       </p:sp>
@@ -424,37 +414,38 @@
           <a:p>
             <a:pPr lvl="0"/>
             <a:r>
-              <a:rPr lang="en-US"/>
+              <a:rPr lang="en-US" smtClean="0"/>
               <a:t>Click to edit Master text styles</a:t>
             </a:r>
           </a:p>
           <a:p>
             <a:pPr lvl="1"/>
             <a:r>
-              <a:rPr lang="en-US"/>
+              <a:rPr lang="en-US" smtClean="0"/>
               <a:t>Second level</a:t>
             </a:r>
           </a:p>
           <a:p>
             <a:pPr lvl="2"/>
             <a:r>
-              <a:rPr lang="en-US"/>
+              <a:rPr lang="en-US" smtClean="0"/>
               <a:t>Third level</a:t>
             </a:r>
           </a:p>
           <a:p>
             <a:pPr lvl="3"/>
             <a:r>
-              <a:rPr lang="en-US"/>
+              <a:rPr lang="en-US" smtClean="0"/>
               <a:t>Fourth level</a:t>
             </a:r>
           </a:p>
           <a:p>
             <a:pPr lvl="4"/>
             <a:r>
-              <a:rPr lang="en-US"/>
+              <a:rPr lang="en-US" smtClean="0"/>
               <a:t>Fifth level</a:t>
             </a:r>
+            <a:endParaRPr lang="en-US"/>
           </a:p>
         </p:txBody>
       </p:sp>
@@ -475,7 +466,7 @@
           <a:p>
             <a:fld id="{5BCAD085-E8A6-8845-BD4E-CB4CCA059FC4}" type="datetimeFigureOut">
               <a:rPr lang="en-US" smtClean="0"/>
-              <a:t>9/17/2025</a:t>
+              <a:t>1/27/13</a:t>
             </a:fld>
             <a:endParaRPr lang="en-US"/>
           </a:p>
@@ -574,9 +565,10 @@
           <a:lstStyle/>
           <a:p>
             <a:r>
-              <a:rPr lang="en-US"/>
+              <a:rPr lang="en-US" smtClean="0"/>
               <a:t>Click to edit Master title style</a:t>
             </a:r>
+            <a:endParaRPr lang="en-US"/>
           </a:p>
         </p:txBody>
       </p:sp>
@@ -602,37 +594,38 @@
           <a:p>
             <a:pPr lvl="0"/>
             <a:r>
-              <a:rPr lang="en-US"/>
+              <a:rPr lang="en-US" smtClean="0"/>
               <a:t>Click to edit Master text styles</a:t>
             </a:r>
           </a:p>
           <a:p>
             <a:pPr lvl="1"/>
             <a:r>
-              <a:rPr lang="en-US"/>
+              <a:rPr lang="en-US" smtClean="0"/>
               <a:t>Second level</a:t>
             </a:r>
           </a:p>
           <a:p>
             <a:pPr lvl="2"/>
             <a:r>
-              <a:rPr lang="en-US"/>
+              <a:rPr lang="en-US" smtClean="0"/>
               <a:t>Third level</a:t>
             </a:r>
           </a:p>
           <a:p>
             <a:pPr lvl="3"/>
             <a:r>
-              <a:rPr lang="en-US"/>
+              <a:rPr lang="en-US" smtClean="0"/>
               <a:t>Fourth level</a:t>
             </a:r>
           </a:p>
           <a:p>
             <a:pPr lvl="4"/>
             <a:r>
-              <a:rPr lang="en-US"/>
+              <a:rPr lang="en-US" smtClean="0"/>
               <a:t>Fifth level</a:t>
             </a:r>
+            <a:endParaRPr lang="en-US"/>
           </a:p>
         </p:txBody>
       </p:sp>
@@ -653,7 +646,7 @@
           <a:p>
             <a:fld id="{5BCAD085-E8A6-8845-BD4E-CB4CCA059FC4}" type="datetimeFigureOut">
               <a:rPr lang="en-US" smtClean="0"/>
-              <a:t>9/17/2025</a:t>
+              <a:t>1/27/13</a:t>
             </a:fld>
             <a:endParaRPr lang="en-US"/>
           </a:p>
@@ -747,9 +740,10 @@
           <a:lstStyle/>
           <a:p>
             <a:r>
-              <a:rPr lang="en-US"/>
+              <a:rPr lang="en-US" smtClean="0"/>
               <a:t>Click to edit Master title style</a:t>
             </a:r>
+            <a:endParaRPr lang="en-US"/>
           </a:p>
         </p:txBody>
       </p:sp>
@@ -770,37 +764,38 @@
           <a:p>
             <a:pPr lvl="0"/>
             <a:r>
-              <a:rPr lang="en-US"/>
+              <a:rPr lang="en-US" smtClean="0"/>
               <a:t>Click to edit Master text styles</a:t>
             </a:r>
           </a:p>
           <a:p>
             <a:pPr lvl="1"/>
             <a:r>
-              <a:rPr lang="en-US"/>
+              <a:rPr lang="en-US" smtClean="0"/>
               <a:t>Second level</a:t>
             </a:r>
           </a:p>
           <a:p>
             <a:pPr lvl="2"/>
             <a:r>
-              <a:rPr lang="en-US"/>
+              <a:rPr lang="en-US" smtClean="0"/>
               <a:t>Third level</a:t>
             </a:r>
           </a:p>
           <a:p>
             <a:pPr lvl="3"/>
             <a:r>
-              <a:rPr lang="en-US"/>
+              <a:rPr lang="en-US" smtClean="0"/>
               <a:t>Fourth level</a:t>
             </a:r>
           </a:p>
           <a:p>
             <a:pPr lvl="4"/>
             <a:r>
-              <a:rPr lang="en-US"/>
+              <a:rPr lang="en-US" smtClean="0"/>
               <a:t>Fifth level</a:t>
             </a:r>
+            <a:endParaRPr lang="en-US"/>
           </a:p>
         </p:txBody>
       </p:sp>
@@ -821,7 +816,7 @@
           <a:p>
             <a:fld id="{5BCAD085-E8A6-8845-BD4E-CB4CCA059FC4}" type="datetimeFigureOut">
               <a:rPr lang="en-US" smtClean="0"/>
-              <a:t>9/17/2025</a:t>
+              <a:t>1/27/13</a:t>
             </a:fld>
             <a:endParaRPr lang="en-US"/>
           </a:p>
@@ -924,9 +919,10 @@
           </a:lstStyle>
           <a:p>
             <a:r>
-              <a:rPr lang="en-US"/>
+              <a:rPr lang="en-US" smtClean="0"/>
               <a:t>Click to edit Master title style</a:t>
             </a:r>
+            <a:endParaRPr lang="en-US"/>
           </a:p>
         </p:txBody>
       </p:sp>
@@ -1043,7 +1039,7 @@
           <a:p>
             <a:pPr lvl="0"/>
             <a:r>
-              <a:rPr lang="en-US"/>
+              <a:rPr lang="en-US" smtClean="0"/>
               <a:t>Click to edit Master text styles</a:t>
             </a:r>
           </a:p>
@@ -1066,7 +1062,7 @@
           <a:p>
             <a:fld id="{5BCAD085-E8A6-8845-BD4E-CB4CCA059FC4}" type="datetimeFigureOut">
               <a:rPr lang="en-US" smtClean="0"/>
-              <a:t>9/17/2025</a:t>
+              <a:t>1/27/13</a:t>
             </a:fld>
             <a:endParaRPr lang="en-US"/>
           </a:p>
@@ -1160,9 +1156,10 @@
           <a:lstStyle/>
           <a:p>
             <a:r>
-              <a:rPr lang="en-US"/>
+              <a:rPr lang="en-US" smtClean="0"/>
               <a:t>Click to edit Master title style</a:t>
             </a:r>
+            <a:endParaRPr lang="en-US"/>
           </a:p>
         </p:txBody>
       </p:sp>
@@ -1216,37 +1213,38 @@
           <a:p>
             <a:pPr lvl="0"/>
             <a:r>
-              <a:rPr lang="en-US"/>
+              <a:rPr lang="en-US" smtClean="0"/>
               <a:t>Click to edit Master text styles</a:t>
             </a:r>
           </a:p>
           <a:p>
             <a:pPr lvl="1"/>
             <a:r>
-              <a:rPr lang="en-US"/>
+              <a:rPr lang="en-US" smtClean="0"/>
               <a:t>Second level</a:t>
             </a:r>
           </a:p>
           <a:p>
             <a:pPr lvl="2"/>
             <a:r>
-              <a:rPr lang="en-US"/>
+              <a:rPr lang="en-US" smtClean="0"/>
               <a:t>Third level</a:t>
             </a:r>
           </a:p>
           <a:p>
             <a:pPr lvl="3"/>
             <a:r>
-              <a:rPr lang="en-US"/>
+              <a:rPr lang="en-US" smtClean="0"/>
               <a:t>Fourth level</a:t>
             </a:r>
           </a:p>
           <a:p>
             <a:pPr lvl="4"/>
             <a:r>
-              <a:rPr lang="en-US"/>
+              <a:rPr lang="en-US" smtClean="0"/>
               <a:t>Fifth level</a:t>
             </a:r>
+            <a:endParaRPr lang="en-US"/>
           </a:p>
         </p:txBody>
       </p:sp>
@@ -1300,37 +1298,38 @@
           <a:p>
             <a:pPr lvl="0"/>
             <a:r>
-              <a:rPr lang="en-US"/>
+              <a:rPr lang="en-US" smtClean="0"/>
               <a:t>Click to edit Master text styles</a:t>
             </a:r>
           </a:p>
           <a:p>
             <a:pPr lvl="1"/>
             <a:r>
-              <a:rPr lang="en-US"/>
+              <a:rPr lang="en-US" smtClean="0"/>
               <a:t>Second level</a:t>
             </a:r>
           </a:p>
           <a:p>
             <a:pPr lvl="2"/>
             <a:r>
-              <a:rPr lang="en-US"/>
+              <a:rPr lang="en-US" smtClean="0"/>
               <a:t>Third level</a:t>
             </a:r>
           </a:p>
           <a:p>
             <a:pPr lvl="3"/>
             <a:r>
-              <a:rPr lang="en-US"/>
+              <a:rPr lang="en-US" smtClean="0"/>
               <a:t>Fourth level</a:t>
             </a:r>
           </a:p>
           <a:p>
             <a:pPr lvl="4"/>
             <a:r>
-              <a:rPr lang="en-US"/>
+              <a:rPr lang="en-US" smtClean="0"/>
               <a:t>Fifth level</a:t>
             </a:r>
+            <a:endParaRPr lang="en-US"/>
           </a:p>
         </p:txBody>
       </p:sp>
@@ -1351,7 +1350,7 @@
           <a:p>
             <a:fld id="{5BCAD085-E8A6-8845-BD4E-CB4CCA059FC4}" type="datetimeFigureOut">
               <a:rPr lang="en-US" smtClean="0"/>
-              <a:t>9/17/2025</a:t>
+              <a:t>1/27/13</a:t>
             </a:fld>
             <a:endParaRPr lang="en-US"/>
           </a:p>
@@ -1449,9 +1448,10 @@
           </a:lstStyle>
           <a:p>
             <a:r>
-              <a:rPr lang="en-US"/>
+              <a:rPr lang="en-US" smtClean="0"/>
               <a:t>Click to edit Master title style</a:t>
             </a:r>
+            <a:endParaRPr lang="en-US"/>
           </a:p>
         </p:txBody>
       </p:sp>
@@ -1514,7 +1514,7 @@
           <a:p>
             <a:pPr lvl="0"/>
             <a:r>
-              <a:rPr lang="en-US"/>
+              <a:rPr lang="en-US" smtClean="0"/>
               <a:t>Click to edit Master text styles</a:t>
             </a:r>
           </a:p>
@@ -1570,37 +1570,38 @@
           <a:p>
             <a:pPr lvl="0"/>
             <a:r>
-              <a:rPr lang="en-US"/>
+              <a:rPr lang="en-US" smtClean="0"/>
               <a:t>Click to edit Master text styles</a:t>
             </a:r>
           </a:p>
           <a:p>
             <a:pPr lvl="1"/>
             <a:r>
-              <a:rPr lang="en-US"/>
+              <a:rPr lang="en-US" smtClean="0"/>
               <a:t>Second level</a:t>
             </a:r>
           </a:p>
           <a:p>
             <a:pPr lvl="2"/>
             <a:r>
-              <a:rPr lang="en-US"/>
+              <a:rPr lang="en-US" smtClean="0"/>
               <a:t>Third level</a:t>
             </a:r>
           </a:p>
           <a:p>
             <a:pPr lvl="3"/>
             <a:r>
-              <a:rPr lang="en-US"/>
+              <a:rPr lang="en-US" smtClean="0"/>
               <a:t>Fourth level</a:t>
             </a:r>
           </a:p>
           <a:p>
             <a:pPr lvl="4"/>
             <a:r>
-              <a:rPr lang="en-US"/>
+              <a:rPr lang="en-US" smtClean="0"/>
               <a:t>Fifth level</a:t>
             </a:r>
+            <a:endParaRPr lang="en-US"/>
           </a:p>
         </p:txBody>
       </p:sp>
@@ -1663,7 +1664,7 @@
           <a:p>
             <a:pPr lvl="0"/>
             <a:r>
-              <a:rPr lang="en-US"/>
+              <a:rPr lang="en-US" smtClean="0"/>
               <a:t>Click to edit Master text styles</a:t>
             </a:r>
           </a:p>
@@ -1719,37 +1720,38 @@
           <a:p>
             <a:pPr lvl="0"/>
             <a:r>
-              <a:rPr lang="en-US"/>
+              <a:rPr lang="en-US" smtClean="0"/>
               <a:t>Click to edit Master text styles</a:t>
             </a:r>
           </a:p>
           <a:p>
             <a:pPr lvl="1"/>
             <a:r>
-              <a:rPr lang="en-US"/>
+              <a:rPr lang="en-US" smtClean="0"/>
               <a:t>Second level</a:t>
             </a:r>
           </a:p>
           <a:p>
             <a:pPr lvl="2"/>
             <a:r>
-              <a:rPr lang="en-US"/>
+              <a:rPr lang="en-US" smtClean="0"/>
               <a:t>Third level</a:t>
             </a:r>
           </a:p>
           <a:p>
             <a:pPr lvl="3"/>
             <a:r>
-              <a:rPr lang="en-US"/>
+              <a:rPr lang="en-US" smtClean="0"/>
               <a:t>Fourth level</a:t>
             </a:r>
           </a:p>
           <a:p>
             <a:pPr lvl="4"/>
             <a:r>
-              <a:rPr lang="en-US"/>
+              <a:rPr lang="en-US" smtClean="0"/>
               <a:t>Fifth level</a:t>
             </a:r>
+            <a:endParaRPr lang="en-US"/>
           </a:p>
         </p:txBody>
       </p:sp>
@@ -1770,7 +1772,7 @@
           <a:p>
             <a:fld id="{5BCAD085-E8A6-8845-BD4E-CB4CCA059FC4}" type="datetimeFigureOut">
               <a:rPr lang="en-US" smtClean="0"/>
-              <a:t>9/17/2025</a:t>
+              <a:t>1/27/13</a:t>
             </a:fld>
             <a:endParaRPr lang="en-US"/>
           </a:p>
@@ -1864,9 +1866,10 @@
           <a:lstStyle/>
           <a:p>
             <a:r>
-              <a:rPr lang="en-US"/>
+              <a:rPr lang="en-US" smtClean="0"/>
               <a:t>Click to edit Master title style</a:t>
             </a:r>
+            <a:endParaRPr lang="en-US"/>
           </a:p>
         </p:txBody>
       </p:sp>
@@ -1887,7 +1890,7 @@
           <a:p>
             <a:fld id="{5BCAD085-E8A6-8845-BD4E-CB4CCA059FC4}" type="datetimeFigureOut">
               <a:rPr lang="en-US" smtClean="0"/>
-              <a:t>9/17/2025</a:t>
+              <a:t>1/27/13</a:t>
             </a:fld>
             <a:endParaRPr lang="en-US"/>
           </a:p>
@@ -1982,7 +1985,7 @@
           <a:p>
             <a:fld id="{5BCAD085-E8A6-8845-BD4E-CB4CCA059FC4}" type="datetimeFigureOut">
               <a:rPr lang="en-US" smtClean="0"/>
-              <a:t>9/17/2025</a:t>
+              <a:t>1/27/13</a:t>
             </a:fld>
             <a:endParaRPr lang="en-US"/>
           </a:p>
@@ -2085,9 +2088,10 @@
           </a:lstStyle>
           <a:p>
             <a:r>
-              <a:rPr lang="en-US"/>
+              <a:rPr lang="en-US" smtClean="0"/>
               <a:t>Click to edit Master title style</a:t>
             </a:r>
+            <a:endParaRPr lang="en-US"/>
           </a:p>
         </p:txBody>
       </p:sp>
@@ -2141,37 +2145,38 @@
           <a:p>
             <a:pPr lvl="0"/>
             <a:r>
-              <a:rPr lang="en-US"/>
+              <a:rPr lang="en-US" smtClean="0"/>
               <a:t>Click to edit Master text styles</a:t>
             </a:r>
           </a:p>
           <a:p>
             <a:pPr lvl="1"/>
             <a:r>
-              <a:rPr lang="en-US"/>
+              <a:rPr lang="en-US" smtClean="0"/>
               <a:t>Second level</a:t>
             </a:r>
           </a:p>
           <a:p>
             <a:pPr lvl="2"/>
             <a:r>
-              <a:rPr lang="en-US"/>
+              <a:rPr lang="en-US" smtClean="0"/>
               <a:t>Third level</a:t>
             </a:r>
           </a:p>
           <a:p>
             <a:pPr lvl="3"/>
             <a:r>
-              <a:rPr lang="en-US"/>
+              <a:rPr lang="en-US" smtClean="0"/>
               <a:t>Fourth level</a:t>
             </a:r>
           </a:p>
           <a:p>
             <a:pPr lvl="4"/>
             <a:r>
-              <a:rPr lang="en-US"/>
+              <a:rPr lang="en-US" smtClean="0"/>
               <a:t>Fifth level</a:t>
             </a:r>
+            <a:endParaRPr lang="en-US"/>
           </a:p>
         </p:txBody>
       </p:sp>
@@ -2234,7 +2239,7 @@
           <a:p>
             <a:pPr lvl="0"/>
             <a:r>
-              <a:rPr lang="en-US"/>
+              <a:rPr lang="en-US" smtClean="0"/>
               <a:t>Click to edit Master text styles</a:t>
             </a:r>
           </a:p>
@@ -2257,7 +2262,7 @@
           <a:p>
             <a:fld id="{5BCAD085-E8A6-8845-BD4E-CB4CCA059FC4}" type="datetimeFigureOut">
               <a:rPr lang="en-US" smtClean="0"/>
-              <a:t>9/17/2025</a:t>
+              <a:t>1/27/13</a:t>
             </a:fld>
             <a:endParaRPr lang="en-US"/>
           </a:p>
@@ -2360,9 +2365,10 @@
           </a:lstStyle>
           <a:p>
             <a:r>
-              <a:rPr lang="en-US"/>
+              <a:rPr lang="en-US" smtClean="0"/>
               <a:t>Click to edit Master title style</a:t>
             </a:r>
+            <a:endParaRPr lang="en-US"/>
           </a:p>
         </p:txBody>
       </p:sp>
@@ -2486,7 +2492,7 @@
           <a:p>
             <a:pPr lvl="0"/>
             <a:r>
-              <a:rPr lang="en-US"/>
+              <a:rPr lang="en-US" smtClean="0"/>
               <a:t>Click to edit Master text styles</a:t>
             </a:r>
           </a:p>
@@ -2509,7 +2515,7 @@
           <a:p>
             <a:fld id="{5BCAD085-E8A6-8845-BD4E-CB4CCA059FC4}" type="datetimeFigureOut">
               <a:rPr lang="en-US" smtClean="0"/>
-              <a:t>9/17/2025</a:t>
+              <a:t>1/27/13</a:t>
             </a:fld>
             <a:endParaRPr lang="en-US"/>
           </a:p>
@@ -2618,9 +2624,10 @@
           <a:lstStyle/>
           <a:p>
             <a:r>
-              <a:rPr lang="en-US"/>
+              <a:rPr lang="en-US" smtClean="0"/>
               <a:t>Click to edit Master title style</a:t>
             </a:r>
+            <a:endParaRPr lang="en-US"/>
           </a:p>
         </p:txBody>
       </p:sp>
@@ -2651,37 +2658,38 @@
           <a:p>
             <a:pPr lvl="0"/>
             <a:r>
-              <a:rPr lang="en-US"/>
+              <a:rPr lang="en-US" smtClean="0"/>
               <a:t>Click to edit Master text styles</a:t>
             </a:r>
           </a:p>
           <a:p>
             <a:pPr lvl="1"/>
             <a:r>
-              <a:rPr lang="en-US"/>
+              <a:rPr lang="en-US" smtClean="0"/>
               <a:t>Second level</a:t>
             </a:r>
           </a:p>
           <a:p>
             <a:pPr lvl="2"/>
             <a:r>
-              <a:rPr lang="en-US"/>
+              <a:rPr lang="en-US" smtClean="0"/>
               <a:t>Third level</a:t>
             </a:r>
           </a:p>
           <a:p>
             <a:pPr lvl="3"/>
             <a:r>
-              <a:rPr lang="en-US"/>
+              <a:rPr lang="en-US" smtClean="0"/>
               <a:t>Fourth level</a:t>
             </a:r>
           </a:p>
           <a:p>
             <a:pPr lvl="4"/>
             <a:r>
-              <a:rPr lang="en-US"/>
+              <a:rPr lang="en-US" smtClean="0"/>
               <a:t>Fifth level</a:t>
             </a:r>
+            <a:endParaRPr lang="en-US"/>
           </a:p>
         </p:txBody>
       </p:sp>
@@ -2720,7 +2728,7 @@
           <a:p>
             <a:fld id="{5BCAD085-E8A6-8845-BD4E-CB4CCA059FC4}" type="datetimeFigureOut">
               <a:rPr lang="en-US" smtClean="0"/>
-              <a:t>9/17/2025</a:t>
+              <a:t>1/27/13</a:t>
             </a:fld>
             <a:endParaRPr lang="en-US"/>
           </a:p>
@@ -3079,7 +3087,7 @@
 </file>
 
 <file path=ppt/slides/slide1.xml><?xml version="1.0" encoding="utf-8"?>
-<p:sld xmlns:a="http://schemas.openxmlformats.org/drawingml/2006/main" xmlns:r="http://schemas.openxmlformats.org/officeDocument/2006/relationships" xmlns:p="http://schemas.openxmlformats.org/presentationml/2006/main">
+<p:sld xmlns:a="http://schemas.openxmlformats.org/drawingml/2006/main" xmlns:p="http://schemas.openxmlformats.org/presentationml/2006/main" xmlns:r="http://schemas.openxmlformats.org/officeDocument/2006/relationships">
   <p:cSld>
     <p:spTree>
       <p:nvGrpSpPr>
@@ -3087,14 +3095,7 @@
         <p:cNvGrpSpPr/>
         <p:nvPr/>
       </p:nvGrpSpPr>
-      <p:grpSpPr>
-        <a:xfrm>
-          <a:off x="0" y="0"/>
-          <a:ext cx="0" cy="0"/>
-          <a:chOff x="0" y="0"/>
-          <a:chExt cx="0" cy="0"/>
-        </a:xfrm>
-      </p:grpSpPr>
+      <p:grpSpPr/>
       <p:sp>
         <p:nvSpPr>
           <p:cNvPr id="2" name="Title 1"/>
@@ -3144,7 +3145,7 @@
       </p:sp>
       <p:pic>
         <p:nvPicPr>
-          <p:cNvPr id="4" name="Picture 3" descr="6.png"/>
+          <p:cNvPr id="4" name="Picture 3" descr="portrait_cfg.png"/>
           <p:cNvPicPr>
             <a:picLocks noChangeAspect="1"/>
           </p:cNvPicPr>
@@ -3158,8 +3159,8 @@
         </p:blipFill>
         <p:spPr>
           <a:xfrm>
-            <a:off x="7473696" y="173736"/>
-            <a:ext cx="1359408" cy="2039112"/>
+            <a:off x="7315200" y="1188720"/>
+            <a:ext cx="2194560" cy="3291840"/>
           </a:xfrm>
           <a:prstGeom prst="rect">
             <a:avLst/>
@@ -3175,7 +3176,7 @@
 </file>
 
 <file path=ppt/slides/slide2.xml><?xml version="1.0" encoding="utf-8"?>
-<p:sld xmlns:a="http://schemas.openxmlformats.org/drawingml/2006/main" xmlns:r="http://schemas.openxmlformats.org/officeDocument/2006/relationships" xmlns:p="http://schemas.openxmlformats.org/presentationml/2006/main">
+<p:sld xmlns:a="http://schemas.openxmlformats.org/drawingml/2006/main" xmlns:p="http://schemas.openxmlformats.org/presentationml/2006/main" xmlns:r="http://schemas.openxmlformats.org/officeDocument/2006/relationships">
   <p:cSld>
     <p:spTree>
       <p:nvGrpSpPr>
@@ -3183,14 +3184,7 @@
         <p:cNvGrpSpPr/>
         <p:nvPr/>
       </p:nvGrpSpPr>
-      <p:grpSpPr>
-        <a:xfrm>
-          <a:off x="0" y="0"/>
-          <a:ext cx="0" cy="0"/>
-          <a:chOff x="0" y="0"/>
-          <a:chExt cx="0" cy="0"/>
-        </a:xfrm>
-      </p:grpSpPr>
+      <p:grpSpPr/>
       <p:sp>
         <p:nvSpPr>
           <p:cNvPr id="2" name="Title 1"/>
@@ -3227,21 +3221,25 @@
           <a:bodyPr/>
           <a:lstStyle/>
           <a:p>
+            <a:pPr/>
             <a:r>
               <a:t>Нет управленческой отчётности в одном окне</a:t>
             </a:r>
           </a:p>
           <a:p>
+            <a:pPr/>
             <a:r>
               <a:t>Слабая мотивация: нет связи KPI ↔ деньги</a:t>
             </a:r>
           </a:p>
           <a:p>
-            <a:r>
-              <a:t>Слишком много инициатив без эффекта</a:t>
-            </a:r>
-          </a:p>
-          <a:p>
+            <a:pPr/>
+            <a:r>
+              <a:t>Отсутствует фокус: 10+ инициатив без эффекта</a:t>
+            </a:r>
+          </a:p>
+          <a:p>
+            <a:pPr/>
             <a:r>
               <a:t>Нужны быстрые победы без тяжёлого IT</a:t>
             </a:r>
@@ -3257,7 +3255,7 @@
 </file>
 
 <file path=ppt/slides/slide3.xml><?xml version="1.0" encoding="utf-8"?>
-<p:sld xmlns:a="http://schemas.openxmlformats.org/drawingml/2006/main" xmlns:r="http://schemas.openxmlformats.org/officeDocument/2006/relationships" xmlns:p="http://schemas.openxmlformats.org/presentationml/2006/main">
+<p:sld xmlns:a="http://schemas.openxmlformats.org/drawingml/2006/main" xmlns:p="http://schemas.openxmlformats.org/presentationml/2006/main" xmlns:r="http://schemas.openxmlformats.org/officeDocument/2006/relationships">
   <p:cSld>
     <p:spTree>
       <p:nvGrpSpPr>
@@ -3265,14 +3263,7 @@
         <p:cNvGrpSpPr/>
         <p:nvPr/>
       </p:nvGrpSpPr>
-      <p:grpSpPr>
-        <a:xfrm>
-          <a:off x="0" y="0"/>
-          <a:ext cx="0" cy="0"/>
-          <a:chOff x="0" y="0"/>
-          <a:chExt cx="0" cy="0"/>
-        </a:xfrm>
-      </p:grpSpPr>
+      <p:grpSpPr/>
       <p:sp>
         <p:nvSpPr>
           <p:cNvPr id="2" name="Title 1"/>
@@ -3309,18 +3300,21 @@
           <a:bodyPr/>
           <a:lstStyle/>
           <a:p>
-            <a:r>
-              <a:t>Фракционный COO/CGO</a:t>
-            </a:r>
-          </a:p>
-          <a:p>
-            <a:r>
-              <a:t>3–5 инициатив до денег за 12 недель</a:t>
-            </a:r>
-          </a:p>
-          <a:p>
-            <a:r>
-              <a:t>DPPM-12: Данные → Люди → Процессы → Рынок</a:t>
+            <a:pPr/>
+            <a:r>
+              <a:t>Я прихожу как фракционный COO/CGO</a:t>
+            </a:r>
+          </a:p>
+          <a:p>
+            <a:pPr/>
+            <a:r>
+              <a:t>За 12 недель запускаю 3–5 инициатив до денег</a:t>
+            </a:r>
+          </a:p>
+          <a:p>
+            <a:pPr/>
+            <a:r>
+              <a:t>DPPM-12: Data → People → Process → Market</a:t>
             </a:r>
           </a:p>
         </p:txBody>
@@ -3334,7 +3328,7 @@
 </file>
 
 <file path=ppt/slides/slide4.xml><?xml version="1.0" encoding="utf-8"?>
-<p:sld xmlns:a="http://schemas.openxmlformats.org/drawingml/2006/main" xmlns:r="http://schemas.openxmlformats.org/officeDocument/2006/relationships" xmlns:p="http://schemas.openxmlformats.org/presentationml/2006/main">
+<p:sld xmlns:a="http://schemas.openxmlformats.org/drawingml/2006/main" xmlns:p="http://schemas.openxmlformats.org/presentationml/2006/main" xmlns:r="http://schemas.openxmlformats.org/officeDocument/2006/relationships">
   <p:cSld>
     <p:spTree>
       <p:nvGrpSpPr>
@@ -3342,14 +3336,7 @@
         <p:cNvGrpSpPr/>
         <p:nvPr/>
       </p:nvGrpSpPr>
-      <p:grpSpPr>
-        <a:xfrm>
-          <a:off x="0" y="0"/>
-          <a:ext cx="0" cy="0"/>
-          <a:chOff x="0" y="0"/>
-          <a:chExt cx="0" cy="0"/>
-        </a:xfrm>
-      </p:grpSpPr>
+      <p:grpSpPr/>
       <p:sp>
         <p:nvSpPr>
           <p:cNvPr id="2" name="Title 1"/>
@@ -3366,7 +3353,7 @@
           <a:lstStyle/>
           <a:p>
             <a:r>
-              <a:t>Продукты и формат</a:t>
+              <a:t>DPPM-12 — подход</a:t>
             </a:r>
           </a:p>
         </p:txBody>
@@ -3386,23 +3373,27 @@
           <a:bodyPr/>
           <a:lstStyle/>
           <a:p>
-            <a:r>
-              <a:t>Диагностика 10 дней (₽90–150k)</a:t>
-            </a:r>
-          </a:p>
-          <a:p>
-            <a:r>
-              <a:t>Внедрение 12 недель (₽450–900k или ₽250–400k/мес + KPI)</a:t>
-            </a:r>
-          </a:p>
-          <a:p>
-            <a:r>
-              <a:t>Operate 6–12 мес (≤2 клиента)</a:t>
-            </a:r>
-          </a:p>
-          <a:p>
-            <a:r>
-              <a:t>Data-Block 3 недели | Sales-Boost 4 недели</a:t>
+            <a:pPr/>
+            <a:r>
+              <a:t>DATA: единый слой, 5–7 дашбордов</a:t>
+            </a:r>
+          </a:p>
+          <a:p>
+            <a:pPr/>
+            <a:r>
+              <a:t>PEOPLE: KPI и мотивация, карьерные треки</a:t>
+            </a:r>
+          </a:p>
+          <a:p>
+            <a:pPr/>
+            <a:r>
+              <a:t>PROCESS: регламенты, ритуалы, «борд фактов»</a:t>
+            </a:r>
+          </a:p>
+          <a:p>
+            <a:pPr/>
+            <a:r>
+              <a:t>MARKET: воронка, офферы, партнёрский канал</a:t>
             </a:r>
           </a:p>
         </p:txBody>
@@ -3416,7 +3407,7 @@
 </file>
 
 <file path=ppt/slides/slide5.xml><?xml version="1.0" encoding="utf-8"?>
-<p:sld xmlns:a="http://schemas.openxmlformats.org/drawingml/2006/main" xmlns:r="http://schemas.openxmlformats.org/officeDocument/2006/relationships" xmlns:p="http://schemas.openxmlformats.org/presentationml/2006/main">
+<p:sld xmlns:a="http://schemas.openxmlformats.org/drawingml/2006/main" xmlns:p="http://schemas.openxmlformats.org/presentationml/2006/main" xmlns:r="http://schemas.openxmlformats.org/officeDocument/2006/relationships">
   <p:cSld>
     <p:spTree>
       <p:nvGrpSpPr>
@@ -3424,14 +3415,7 @@
         <p:cNvGrpSpPr/>
         <p:nvPr/>
       </p:nvGrpSpPr>
-      <p:grpSpPr>
-        <a:xfrm>
-          <a:off x="0" y="0"/>
-          <a:ext cx="0" cy="0"/>
-          <a:chOff x="0" y="0"/>
-          <a:chExt cx="0" cy="0"/>
-        </a:xfrm>
-      </p:grpSpPr>
+      <p:grpSpPr/>
       <p:sp>
         <p:nvSpPr>
           <p:cNvPr id="2" name="Title 1"/>
@@ -3448,7 +3432,7 @@
           <a:lstStyle/>
           <a:p>
             <a:r>
-              <a:t>Доказательства</a:t>
+              <a:t>Продукты и формат</a:t>
             </a:r>
           </a:p>
         </p:txBody>
@@ -3468,23 +3452,27 @@
           <a:bodyPr/>
           <a:lstStyle/>
           <a:p>
-            <a:r>
-              <a:t>Рынок: доля до 33% (банк)</a:t>
-            </a:r>
-          </a:p>
-          <a:p>
-            <a:r>
-              <a:t>DIY: запуск B2B</a:t>
-            </a:r>
-          </a:p>
-          <a:p>
-            <a:r>
-              <a:t>Авто: конверсия до 27% + отчётность</a:t>
-            </a:r>
-          </a:p>
-          <a:p>
-            <a:r>
-              <a:t>1600+ интервью, 1000+ наймов</a:t>
+            <a:pPr/>
+            <a:r>
+              <a:t>Диагностика прибыли 10 дней (₽90–150k)</a:t>
+            </a:r>
+          </a:p>
+          <a:p>
+            <a:pPr/>
+            <a:r>
+              <a:t>Внедрение 12 недель (₽450–900k или ₽250–400k/мес + KPI-бонус)</a:t>
+            </a:r>
+          </a:p>
+          <a:p>
+            <a:pPr/>
+            <a:r>
+              <a:t>Operate 6–12 мес (≤2 клиента)</a:t>
+            </a:r>
+          </a:p>
+          <a:p>
+            <a:pPr/>
+            <a:r>
+              <a:t>Data-Block 3 недели | Sales-Boost 4 недели</a:t>
             </a:r>
           </a:p>
         </p:txBody>
@@ -3498,7 +3486,7 @@
 </file>
 
 <file path=ppt/slides/slide6.xml><?xml version="1.0" encoding="utf-8"?>
-<p:sld xmlns:a="http://schemas.openxmlformats.org/drawingml/2006/main" xmlns:r="http://schemas.openxmlformats.org/officeDocument/2006/relationships" xmlns:p="http://schemas.openxmlformats.org/presentationml/2006/main">
+<p:sld xmlns:a="http://schemas.openxmlformats.org/drawingml/2006/main" xmlns:p="http://schemas.openxmlformats.org/presentationml/2006/main" xmlns:r="http://schemas.openxmlformats.org/officeDocument/2006/relationships">
   <p:cSld>
     <p:spTree>
       <p:nvGrpSpPr>
@@ -3506,14 +3494,7 @@
         <p:cNvGrpSpPr/>
         <p:nvPr/>
       </p:nvGrpSpPr>
-      <p:grpSpPr>
-        <a:xfrm>
-          <a:off x="0" y="0"/>
-          <a:ext cx="0" cy="0"/>
-          <a:chOff x="0" y="0"/>
-          <a:chExt cx="0" cy="0"/>
-        </a:xfrm>
-      </p:grpSpPr>
+      <p:grpSpPr/>
       <p:sp>
         <p:nvSpPr>
           <p:cNvPr id="2" name="Title 1"/>
@@ -3530,6 +3511,164 @@
           <a:lstStyle/>
           <a:p>
             <a:r>
+              <a:t>ICP (фокус 90 дней)</a:t>
+            </a:r>
+          </a:p>
+        </p:txBody>
+      </p:sp>
+      <p:sp>
+        <p:nvSpPr>
+          <p:cNvPr id="3" name="Content Placeholder 2"/>
+          <p:cNvSpPr>
+            <a:spLocks noGrp="1"/>
+          </p:cNvSpPr>
+          <p:nvPr>
+            <p:ph idx="1"/>
+          </p:nvPr>
+        </p:nvSpPr>
+        <p:spPr/>
+        <p:txBody>
+          <a:bodyPr/>
+          <a:lstStyle/>
+          <a:p>
+            <a:pPr/>
+            <a:r>
+              <a:t>Автодилеры 3–10 салонов</a:t>
+            </a:r>
+          </a:p>
+          <a:p>
+            <a:pPr/>
+            <a:r>
+              <a:t>Девелоперы/подрядчики ₽1–10 млрд</a:t>
+            </a:r>
+          </a:p>
+          <a:p>
+            <a:pPr/>
+            <a:r>
+              <a:t>HoReCa 5–20 точек</a:t>
+            </a:r>
+          </a:p>
+          <a:p>
+            <a:pPr/>
+            <a:r>
+              <a:t>E-commerce/ритейл ₽200–800 млн</a:t>
+            </a:r>
+          </a:p>
+        </p:txBody>
+      </p:sp>
+    </p:spTree>
+  </p:cSld>
+  <p:clrMapOvr>
+    <a:masterClrMapping/>
+  </p:clrMapOvr>
+</p:sld>
+</file>
+
+<file path=ppt/slides/slide7.xml><?xml version="1.0" encoding="utf-8"?>
+<p:sld xmlns:a="http://schemas.openxmlformats.org/drawingml/2006/main" xmlns:p="http://schemas.openxmlformats.org/presentationml/2006/main" xmlns:r="http://schemas.openxmlformats.org/officeDocument/2006/relationships">
+  <p:cSld>
+    <p:spTree>
+      <p:nvGrpSpPr>
+        <p:cNvPr id="1" name=""/>
+        <p:cNvGrpSpPr/>
+        <p:nvPr/>
+      </p:nvGrpSpPr>
+      <p:grpSpPr/>
+      <p:sp>
+        <p:nvSpPr>
+          <p:cNvPr id="2" name="Title 1"/>
+          <p:cNvSpPr>
+            <a:spLocks noGrp="1"/>
+          </p:cNvSpPr>
+          <p:nvPr>
+            <p:ph type="title"/>
+          </p:nvPr>
+        </p:nvSpPr>
+        <p:spPr/>
+        <p:txBody>
+          <a:bodyPr/>
+          <a:lstStyle/>
+          <a:p>
+            <a:r>
+              <a:t>Доказательства</a:t>
+            </a:r>
+          </a:p>
+        </p:txBody>
+      </p:sp>
+      <p:sp>
+        <p:nvSpPr>
+          <p:cNvPr id="3" name="Content Placeholder 2"/>
+          <p:cNvSpPr>
+            <a:spLocks noGrp="1"/>
+          </p:cNvSpPr>
+          <p:nvPr>
+            <p:ph idx="1"/>
+          </p:nvPr>
+        </p:nvSpPr>
+        <p:spPr/>
+        <p:txBody>
+          <a:bodyPr/>
+          <a:lstStyle/>
+          <a:p>
+            <a:pPr/>
+            <a:r>
+              <a:t>Рынок: доля до 33%</a:t>
+            </a:r>
+          </a:p>
+          <a:p>
+            <a:pPr/>
+            <a:r>
+              <a:t>DIY: запуск B2B-канала</a:t>
+            </a:r>
+          </a:p>
+          <a:p>
+            <a:pPr/>
+            <a:r>
+              <a:t>Авто: конверсия до 27% + отчётность</a:t>
+            </a:r>
+          </a:p>
+          <a:p>
+            <a:pPr/>
+            <a:r>
+              <a:t>1600+ интервью, 1000+ наймов</a:t>
+            </a:r>
+          </a:p>
+        </p:txBody>
+      </p:sp>
+    </p:spTree>
+  </p:cSld>
+  <p:clrMapOvr>
+    <a:masterClrMapping/>
+  </p:clrMapOvr>
+</p:sld>
+</file>
+
+<file path=ppt/slides/slide8.xml><?xml version="1.0" encoding="utf-8"?>
+<p:sld xmlns:a="http://schemas.openxmlformats.org/drawingml/2006/main" xmlns:p="http://schemas.openxmlformats.org/presentationml/2006/main" xmlns:r="http://schemas.openxmlformats.org/officeDocument/2006/relationships">
+  <p:cSld>
+    <p:spTree>
+      <p:nvGrpSpPr>
+        <p:cNvPr id="1" name=""/>
+        <p:cNvGrpSpPr/>
+        <p:nvPr/>
+      </p:nvGrpSpPr>
+      <p:grpSpPr/>
+      <p:sp>
+        <p:nvSpPr>
+          <p:cNvPr id="2" name="Title 1"/>
+          <p:cNvSpPr>
+            <a:spLocks noGrp="1"/>
+          </p:cNvSpPr>
+          <p:nvPr>
+            <p:ph type="title"/>
+          </p:nvPr>
+        </p:nvSpPr>
+        <p:spPr/>
+        <p:txBody>
+          <a:bodyPr/>
+          <a:lstStyle/>
+          <a:p>
+            <a:r>
               <a:t>Операционный ритм</a:t>
             </a:r>
           </a:p>
@@ -3550,23 +3689,106 @@
           <a:bodyPr/>
           <a:lstStyle/>
           <a:p>
+            <a:pPr/>
             <a:r>
               <a:t>6 спринтов × 2 недели</a:t>
             </a:r>
           </a:p>
           <a:p>
+            <a:pPr/>
             <a:r>
               <a:t>Пн 09:00 цели → Пт 17:00 «борд фактов»</a:t>
             </a:r>
           </a:p>
           <a:p>
+            <a:pPr/>
             <a:r>
               <a:t>WIP ≤ 3, weekly «голос поля»</a:t>
             </a:r>
           </a:p>
           <a:p>
+            <a:pPr/>
             <a:r>
               <a:t>Прозрачность эффектов и ROI</a:t>
+            </a:r>
+          </a:p>
+        </p:txBody>
+      </p:sp>
+    </p:spTree>
+  </p:cSld>
+  <p:clrMapOvr>
+    <a:masterClrMapping/>
+  </p:clrMapOvr>
+</p:sld>
+</file>
+
+<file path=ppt/slides/slide9.xml><?xml version="1.0" encoding="utf-8"?>
+<p:sld xmlns:a="http://schemas.openxmlformats.org/drawingml/2006/main" xmlns:p="http://schemas.openxmlformats.org/presentationml/2006/main" xmlns:r="http://schemas.openxmlformats.org/officeDocument/2006/relationships">
+  <p:cSld>
+    <p:spTree>
+      <p:nvGrpSpPr>
+        <p:cNvPr id="1" name=""/>
+        <p:cNvGrpSpPr/>
+        <p:nvPr/>
+      </p:nvGrpSpPr>
+      <p:grpSpPr/>
+      <p:sp>
+        <p:nvSpPr>
+          <p:cNvPr id="2" name="Title 1"/>
+          <p:cNvSpPr>
+            <a:spLocks noGrp="1"/>
+          </p:cNvSpPr>
+          <p:nvPr>
+            <p:ph type="title"/>
+          </p:nvPr>
+        </p:nvSpPr>
+        <p:spPr/>
+        <p:txBody>
+          <a:bodyPr/>
+          <a:lstStyle/>
+          <a:p>
+            <a:r>
+              <a:t>Next step</a:t>
+            </a:r>
+          </a:p>
+        </p:txBody>
+      </p:sp>
+      <p:sp>
+        <p:nvSpPr>
+          <p:cNvPr id="3" name="Content Placeholder 2"/>
+          <p:cNvSpPr>
+            <a:spLocks noGrp="1"/>
+          </p:cNvSpPr>
+          <p:nvPr>
+            <p:ph idx="1"/>
+          </p:nvPr>
+        </p:nvSpPr>
+        <p:spPr/>
+        <p:txBody>
+          <a:bodyPr/>
+          <a:lstStyle/>
+          <a:p>
+            <a:pPr/>
+            <a:r>
+              <a:t>20-мин discovery-звонок</a:t>
+            </a:r>
+          </a:p>
+          <a:p>
+            <a:pPr/>
+            <a:r>
+              <a:t>Старт «Диагностики 10 дней»</a:t>
+            </a:r>
+          </a:p>
+          <a:p>
+            <a:pPr/>
+            <a:r>
+              <a:t>Доступы к данным/CRM</a:t>
+            </a:r>
+          </a:p>
+          <a:p>
+            <a:pPr/>
+            <a:r>
+              <a:t>Согласуем KPI и потолок бонуса</a:t>
             </a:r>
           </a:p>
         </p:txBody>

--- a/downloads/CFG_PitchDeck.pptx
+++ b/downloads/CFG_PitchDeck.pptx
@@ -5,15 +5,12 @@
     <p:sldMasterId id="2147483648" r:id="rId1"/>
   </p:sldMasterIdLst>
   <p:sldIdLst>
-    <p:sldId id="256" r:id="rId7"/>
-    <p:sldId id="257" r:id="rId8"/>
-    <p:sldId id="258" r:id="rId9"/>
-    <p:sldId id="259" r:id="rId10"/>
-    <p:sldId id="260" r:id="rId11"/>
-    <p:sldId id="261" r:id="rId12"/>
-    <p:sldId id="262" r:id="rId13"/>
-    <p:sldId id="263" r:id="rId14"/>
-    <p:sldId id="264" r:id="rId15"/>
+    <p:sldId id="256" r:id="rId2"/>
+    <p:sldId id="257" r:id="rId3"/>
+    <p:sldId id="258" r:id="rId4"/>
+    <p:sldId id="259" r:id="rId5"/>
+    <p:sldId id="260" r:id="rId6"/>
+    <p:sldId id="261" r:id="rId7"/>
   </p:sldIdLst>
   <p:sldSz cx="9144000" cy="6858000" type="screen4x3"/>
   <p:notesSz cx="6858000" cy="9144000"/>
@@ -112,6 +109,22 @@
       </a:defRPr>
     </a:lvl9pPr>
   </p:defaultTextStyle>
+  <p:extLst>
+    <p:ext uri="{EFAFB233-063F-42B5-8137-9DF3F51BA10A}">
+      <p15:sldGuideLst xmlns:p15="http://schemas.microsoft.com/office/powerpoint/2012/main">
+        <p15:guide id="1" orient="horz" pos="2160">
+          <p15:clr>
+            <a:srgbClr val="A4A3A4"/>
+          </p15:clr>
+        </p15:guide>
+        <p15:guide id="2" pos="2880">
+          <p15:clr>
+            <a:srgbClr val="A4A3A4"/>
+          </p15:clr>
+        </p15:guide>
+      </p15:sldGuideLst>
+    </p:ext>
+  </p:extLst>
 </p:presentation>
 </file>
 
@@ -153,10 +166,9 @@
           <a:lstStyle/>
           <a:p>
             <a:r>
-              <a:rPr lang="en-US" smtClean="0"/>
+              <a:rPr lang="en-US"/>
               <a:t>Click to edit Master title style</a:t>
             </a:r>
-            <a:endParaRPr lang="en-US"/>
           </a:p>
         </p:txBody>
       </p:sp>
@@ -272,10 +284,9 @@
           </a:lstStyle>
           <a:p>
             <a:r>
-              <a:rPr lang="en-US" smtClean="0"/>
+              <a:rPr lang="en-US"/>
               <a:t>Click to edit Master subtitle style</a:t>
             </a:r>
-            <a:endParaRPr lang="en-US"/>
           </a:p>
         </p:txBody>
       </p:sp>
@@ -296,7 +307,7 @@
           <a:p>
             <a:fld id="{5BCAD085-E8A6-8845-BD4E-CB4CCA059FC4}" type="datetimeFigureOut">
               <a:rPr lang="en-US" smtClean="0"/>
-              <a:t>1/27/13</a:t>
+              <a:t>9/17/2025</a:t>
             </a:fld>
             <a:endParaRPr lang="en-US"/>
           </a:p>
@@ -390,10 +401,9 @@
           <a:lstStyle/>
           <a:p>
             <a:r>
-              <a:rPr lang="en-US" smtClean="0"/>
+              <a:rPr lang="en-US"/>
               <a:t>Click to edit Master title style</a:t>
             </a:r>
-            <a:endParaRPr lang="en-US"/>
           </a:p>
         </p:txBody>
       </p:sp>
@@ -414,38 +424,37 @@
           <a:p>
             <a:pPr lvl="0"/>
             <a:r>
-              <a:rPr lang="en-US" smtClean="0"/>
+              <a:rPr lang="en-US"/>
               <a:t>Click to edit Master text styles</a:t>
             </a:r>
           </a:p>
           <a:p>
             <a:pPr lvl="1"/>
             <a:r>
-              <a:rPr lang="en-US" smtClean="0"/>
+              <a:rPr lang="en-US"/>
               <a:t>Second level</a:t>
             </a:r>
           </a:p>
           <a:p>
             <a:pPr lvl="2"/>
             <a:r>
-              <a:rPr lang="en-US" smtClean="0"/>
+              <a:rPr lang="en-US"/>
               <a:t>Third level</a:t>
             </a:r>
           </a:p>
           <a:p>
             <a:pPr lvl="3"/>
             <a:r>
-              <a:rPr lang="en-US" smtClean="0"/>
+              <a:rPr lang="en-US"/>
               <a:t>Fourth level</a:t>
             </a:r>
           </a:p>
           <a:p>
             <a:pPr lvl="4"/>
             <a:r>
-              <a:rPr lang="en-US" smtClean="0"/>
+              <a:rPr lang="en-US"/>
               <a:t>Fifth level</a:t>
             </a:r>
-            <a:endParaRPr lang="en-US"/>
           </a:p>
         </p:txBody>
       </p:sp>
@@ -466,7 +475,7 @@
           <a:p>
             <a:fld id="{5BCAD085-E8A6-8845-BD4E-CB4CCA059FC4}" type="datetimeFigureOut">
               <a:rPr lang="en-US" smtClean="0"/>
-              <a:t>1/27/13</a:t>
+              <a:t>9/17/2025</a:t>
             </a:fld>
             <a:endParaRPr lang="en-US"/>
           </a:p>
@@ -565,10 +574,9 @@
           <a:lstStyle/>
           <a:p>
             <a:r>
-              <a:rPr lang="en-US" smtClean="0"/>
+              <a:rPr lang="en-US"/>
               <a:t>Click to edit Master title style</a:t>
             </a:r>
-            <a:endParaRPr lang="en-US"/>
           </a:p>
         </p:txBody>
       </p:sp>
@@ -594,38 +602,37 @@
           <a:p>
             <a:pPr lvl="0"/>
             <a:r>
-              <a:rPr lang="en-US" smtClean="0"/>
+              <a:rPr lang="en-US"/>
               <a:t>Click to edit Master text styles</a:t>
             </a:r>
           </a:p>
           <a:p>
             <a:pPr lvl="1"/>
             <a:r>
-              <a:rPr lang="en-US" smtClean="0"/>
+              <a:rPr lang="en-US"/>
               <a:t>Second level</a:t>
             </a:r>
           </a:p>
           <a:p>
             <a:pPr lvl="2"/>
             <a:r>
-              <a:rPr lang="en-US" smtClean="0"/>
+              <a:rPr lang="en-US"/>
               <a:t>Third level</a:t>
             </a:r>
           </a:p>
           <a:p>
             <a:pPr lvl="3"/>
             <a:r>
-              <a:rPr lang="en-US" smtClean="0"/>
+              <a:rPr lang="en-US"/>
               <a:t>Fourth level</a:t>
             </a:r>
           </a:p>
           <a:p>
             <a:pPr lvl="4"/>
             <a:r>
-              <a:rPr lang="en-US" smtClean="0"/>
+              <a:rPr lang="en-US"/>
               <a:t>Fifth level</a:t>
             </a:r>
-            <a:endParaRPr lang="en-US"/>
           </a:p>
         </p:txBody>
       </p:sp>
@@ -646,7 +653,7 @@
           <a:p>
             <a:fld id="{5BCAD085-E8A6-8845-BD4E-CB4CCA059FC4}" type="datetimeFigureOut">
               <a:rPr lang="en-US" smtClean="0"/>
-              <a:t>1/27/13</a:t>
+              <a:t>9/17/2025</a:t>
             </a:fld>
             <a:endParaRPr lang="en-US"/>
           </a:p>
@@ -740,10 +747,9 @@
           <a:lstStyle/>
           <a:p>
             <a:r>
-              <a:rPr lang="en-US" smtClean="0"/>
+              <a:rPr lang="en-US"/>
               <a:t>Click to edit Master title style</a:t>
             </a:r>
-            <a:endParaRPr lang="en-US"/>
           </a:p>
         </p:txBody>
       </p:sp>
@@ -764,38 +770,37 @@
           <a:p>
             <a:pPr lvl="0"/>
             <a:r>
-              <a:rPr lang="en-US" smtClean="0"/>
+              <a:rPr lang="en-US"/>
               <a:t>Click to edit Master text styles</a:t>
             </a:r>
           </a:p>
           <a:p>
             <a:pPr lvl="1"/>
             <a:r>
-              <a:rPr lang="en-US" smtClean="0"/>
+              <a:rPr lang="en-US"/>
               <a:t>Second level</a:t>
             </a:r>
           </a:p>
           <a:p>
             <a:pPr lvl="2"/>
             <a:r>
-              <a:rPr lang="en-US" smtClean="0"/>
+              <a:rPr lang="en-US"/>
               <a:t>Third level</a:t>
             </a:r>
           </a:p>
           <a:p>
             <a:pPr lvl="3"/>
             <a:r>
-              <a:rPr lang="en-US" smtClean="0"/>
+              <a:rPr lang="en-US"/>
               <a:t>Fourth level</a:t>
             </a:r>
           </a:p>
           <a:p>
             <a:pPr lvl="4"/>
             <a:r>
-              <a:rPr lang="en-US" smtClean="0"/>
+              <a:rPr lang="en-US"/>
               <a:t>Fifth level</a:t>
             </a:r>
-            <a:endParaRPr lang="en-US"/>
           </a:p>
         </p:txBody>
       </p:sp>
@@ -816,7 +821,7 @@
           <a:p>
             <a:fld id="{5BCAD085-E8A6-8845-BD4E-CB4CCA059FC4}" type="datetimeFigureOut">
               <a:rPr lang="en-US" smtClean="0"/>
-              <a:t>1/27/13</a:t>
+              <a:t>9/17/2025</a:t>
             </a:fld>
             <a:endParaRPr lang="en-US"/>
           </a:p>
@@ -919,10 +924,9 @@
           </a:lstStyle>
           <a:p>
             <a:r>
-              <a:rPr lang="en-US" smtClean="0"/>
+              <a:rPr lang="en-US"/>
               <a:t>Click to edit Master title style</a:t>
             </a:r>
-            <a:endParaRPr lang="en-US"/>
           </a:p>
         </p:txBody>
       </p:sp>
@@ -1039,7 +1043,7 @@
           <a:p>
             <a:pPr lvl="0"/>
             <a:r>
-              <a:rPr lang="en-US" smtClean="0"/>
+              <a:rPr lang="en-US"/>
               <a:t>Click to edit Master text styles</a:t>
             </a:r>
           </a:p>
@@ -1062,7 +1066,7 @@
           <a:p>
             <a:fld id="{5BCAD085-E8A6-8845-BD4E-CB4CCA059FC4}" type="datetimeFigureOut">
               <a:rPr lang="en-US" smtClean="0"/>
-              <a:t>1/27/13</a:t>
+              <a:t>9/17/2025</a:t>
             </a:fld>
             <a:endParaRPr lang="en-US"/>
           </a:p>
@@ -1156,10 +1160,9 @@
           <a:lstStyle/>
           <a:p>
             <a:r>
-              <a:rPr lang="en-US" smtClean="0"/>
+              <a:rPr lang="en-US"/>
               <a:t>Click to edit Master title style</a:t>
             </a:r>
-            <a:endParaRPr lang="en-US"/>
           </a:p>
         </p:txBody>
       </p:sp>
@@ -1213,38 +1216,37 @@
           <a:p>
             <a:pPr lvl="0"/>
             <a:r>
-              <a:rPr lang="en-US" smtClean="0"/>
+              <a:rPr lang="en-US"/>
               <a:t>Click to edit Master text styles</a:t>
             </a:r>
           </a:p>
           <a:p>
             <a:pPr lvl="1"/>
             <a:r>
-              <a:rPr lang="en-US" smtClean="0"/>
+              <a:rPr lang="en-US"/>
               <a:t>Second level</a:t>
             </a:r>
           </a:p>
           <a:p>
             <a:pPr lvl="2"/>
             <a:r>
-              <a:rPr lang="en-US" smtClean="0"/>
+              <a:rPr lang="en-US"/>
               <a:t>Third level</a:t>
             </a:r>
           </a:p>
           <a:p>
             <a:pPr lvl="3"/>
             <a:r>
-              <a:rPr lang="en-US" smtClean="0"/>
+              <a:rPr lang="en-US"/>
               <a:t>Fourth level</a:t>
             </a:r>
           </a:p>
           <a:p>
             <a:pPr lvl="4"/>
             <a:r>
-              <a:rPr lang="en-US" smtClean="0"/>
+              <a:rPr lang="en-US"/>
               <a:t>Fifth level</a:t>
             </a:r>
-            <a:endParaRPr lang="en-US"/>
           </a:p>
         </p:txBody>
       </p:sp>
@@ -1298,38 +1300,37 @@
           <a:p>
             <a:pPr lvl="0"/>
             <a:r>
-              <a:rPr lang="en-US" smtClean="0"/>
+              <a:rPr lang="en-US"/>
               <a:t>Click to edit Master text styles</a:t>
             </a:r>
           </a:p>
           <a:p>
             <a:pPr lvl="1"/>
             <a:r>
-              <a:rPr lang="en-US" smtClean="0"/>
+              <a:rPr lang="en-US"/>
               <a:t>Second level</a:t>
             </a:r>
           </a:p>
           <a:p>
             <a:pPr lvl="2"/>
             <a:r>
-              <a:rPr lang="en-US" smtClean="0"/>
+              <a:rPr lang="en-US"/>
               <a:t>Third level</a:t>
             </a:r>
           </a:p>
           <a:p>
             <a:pPr lvl="3"/>
             <a:r>
-              <a:rPr lang="en-US" smtClean="0"/>
+              <a:rPr lang="en-US"/>
               <a:t>Fourth level</a:t>
             </a:r>
           </a:p>
           <a:p>
             <a:pPr lvl="4"/>
             <a:r>
-              <a:rPr lang="en-US" smtClean="0"/>
+              <a:rPr lang="en-US"/>
               <a:t>Fifth level</a:t>
             </a:r>
-            <a:endParaRPr lang="en-US"/>
           </a:p>
         </p:txBody>
       </p:sp>
@@ -1350,7 +1351,7 @@
           <a:p>
             <a:fld id="{5BCAD085-E8A6-8845-BD4E-CB4CCA059FC4}" type="datetimeFigureOut">
               <a:rPr lang="en-US" smtClean="0"/>
-              <a:t>1/27/13</a:t>
+              <a:t>9/17/2025</a:t>
             </a:fld>
             <a:endParaRPr lang="en-US"/>
           </a:p>
@@ -1448,10 +1449,9 @@
           </a:lstStyle>
           <a:p>
             <a:r>
-              <a:rPr lang="en-US" smtClean="0"/>
+              <a:rPr lang="en-US"/>
               <a:t>Click to edit Master title style</a:t>
             </a:r>
-            <a:endParaRPr lang="en-US"/>
           </a:p>
         </p:txBody>
       </p:sp>
@@ -1514,7 +1514,7 @@
           <a:p>
             <a:pPr lvl="0"/>
             <a:r>
-              <a:rPr lang="en-US" smtClean="0"/>
+              <a:rPr lang="en-US"/>
               <a:t>Click to edit Master text styles</a:t>
             </a:r>
           </a:p>
@@ -1570,38 +1570,37 @@
           <a:p>
             <a:pPr lvl="0"/>
             <a:r>
-              <a:rPr lang="en-US" smtClean="0"/>
+              <a:rPr lang="en-US"/>
               <a:t>Click to edit Master text styles</a:t>
             </a:r>
           </a:p>
           <a:p>
             <a:pPr lvl="1"/>
             <a:r>
-              <a:rPr lang="en-US" smtClean="0"/>
+              <a:rPr lang="en-US"/>
               <a:t>Second level</a:t>
             </a:r>
           </a:p>
           <a:p>
             <a:pPr lvl="2"/>
             <a:r>
-              <a:rPr lang="en-US" smtClean="0"/>
+              <a:rPr lang="en-US"/>
               <a:t>Third level</a:t>
             </a:r>
           </a:p>
           <a:p>
             <a:pPr lvl="3"/>
             <a:r>
-              <a:rPr lang="en-US" smtClean="0"/>
+              <a:rPr lang="en-US"/>
               <a:t>Fourth level</a:t>
             </a:r>
           </a:p>
           <a:p>
             <a:pPr lvl="4"/>
             <a:r>
-              <a:rPr lang="en-US" smtClean="0"/>
+              <a:rPr lang="en-US"/>
               <a:t>Fifth level</a:t>
             </a:r>
-            <a:endParaRPr lang="en-US"/>
           </a:p>
         </p:txBody>
       </p:sp>
@@ -1664,7 +1663,7 @@
           <a:p>
             <a:pPr lvl="0"/>
             <a:r>
-              <a:rPr lang="en-US" smtClean="0"/>
+              <a:rPr lang="en-US"/>
               <a:t>Click to edit Master text styles</a:t>
             </a:r>
           </a:p>
@@ -1720,38 +1719,37 @@
           <a:p>
             <a:pPr lvl="0"/>
             <a:r>
-              <a:rPr lang="en-US" smtClean="0"/>
+              <a:rPr lang="en-US"/>
               <a:t>Click to edit Master text styles</a:t>
             </a:r>
           </a:p>
           <a:p>
             <a:pPr lvl="1"/>
             <a:r>
-              <a:rPr lang="en-US" smtClean="0"/>
+              <a:rPr lang="en-US"/>
               <a:t>Second level</a:t>
             </a:r>
           </a:p>
           <a:p>
             <a:pPr lvl="2"/>
             <a:r>
-              <a:rPr lang="en-US" smtClean="0"/>
+              <a:rPr lang="en-US"/>
               <a:t>Third level</a:t>
             </a:r>
           </a:p>
           <a:p>
             <a:pPr lvl="3"/>
             <a:r>
-              <a:rPr lang="en-US" smtClean="0"/>
+              <a:rPr lang="en-US"/>
               <a:t>Fourth level</a:t>
             </a:r>
           </a:p>
           <a:p>
             <a:pPr lvl="4"/>
             <a:r>
-              <a:rPr lang="en-US" smtClean="0"/>
+              <a:rPr lang="en-US"/>
               <a:t>Fifth level</a:t>
             </a:r>
-            <a:endParaRPr lang="en-US"/>
           </a:p>
         </p:txBody>
       </p:sp>
@@ -1772,7 +1770,7 @@
           <a:p>
             <a:fld id="{5BCAD085-E8A6-8845-BD4E-CB4CCA059FC4}" type="datetimeFigureOut">
               <a:rPr lang="en-US" smtClean="0"/>
-              <a:t>1/27/13</a:t>
+              <a:t>9/17/2025</a:t>
             </a:fld>
             <a:endParaRPr lang="en-US"/>
           </a:p>
@@ -1866,10 +1864,9 @@
           <a:lstStyle/>
           <a:p>
             <a:r>
-              <a:rPr lang="en-US" smtClean="0"/>
+              <a:rPr lang="en-US"/>
               <a:t>Click to edit Master title style</a:t>
             </a:r>
-            <a:endParaRPr lang="en-US"/>
           </a:p>
         </p:txBody>
       </p:sp>
@@ -1890,7 +1887,7 @@
           <a:p>
             <a:fld id="{5BCAD085-E8A6-8845-BD4E-CB4CCA059FC4}" type="datetimeFigureOut">
               <a:rPr lang="en-US" smtClean="0"/>
-              <a:t>1/27/13</a:t>
+              <a:t>9/17/2025</a:t>
             </a:fld>
             <a:endParaRPr lang="en-US"/>
           </a:p>
@@ -1985,7 +1982,7 @@
           <a:p>
             <a:fld id="{5BCAD085-E8A6-8845-BD4E-CB4CCA059FC4}" type="datetimeFigureOut">
               <a:rPr lang="en-US" smtClean="0"/>
-              <a:t>1/27/13</a:t>
+              <a:t>9/17/2025</a:t>
             </a:fld>
             <a:endParaRPr lang="en-US"/>
           </a:p>
@@ -2088,10 +2085,9 @@
           </a:lstStyle>
           <a:p>
             <a:r>
-              <a:rPr lang="en-US" smtClean="0"/>
+              <a:rPr lang="en-US"/>
               <a:t>Click to edit Master title style</a:t>
             </a:r>
-            <a:endParaRPr lang="en-US"/>
           </a:p>
         </p:txBody>
       </p:sp>
@@ -2145,38 +2141,37 @@
           <a:p>
             <a:pPr lvl="0"/>
             <a:r>
-              <a:rPr lang="en-US" smtClean="0"/>
+              <a:rPr lang="en-US"/>
               <a:t>Click to edit Master text styles</a:t>
             </a:r>
           </a:p>
           <a:p>
             <a:pPr lvl="1"/>
             <a:r>
-              <a:rPr lang="en-US" smtClean="0"/>
+              <a:rPr lang="en-US"/>
               <a:t>Second level</a:t>
             </a:r>
           </a:p>
           <a:p>
             <a:pPr lvl="2"/>
             <a:r>
-              <a:rPr lang="en-US" smtClean="0"/>
+              <a:rPr lang="en-US"/>
               <a:t>Third level</a:t>
             </a:r>
           </a:p>
           <a:p>
             <a:pPr lvl="3"/>
             <a:r>
-              <a:rPr lang="en-US" smtClean="0"/>
+              <a:rPr lang="en-US"/>
               <a:t>Fourth level</a:t>
             </a:r>
           </a:p>
           <a:p>
             <a:pPr lvl="4"/>
             <a:r>
-              <a:rPr lang="en-US" smtClean="0"/>
+              <a:rPr lang="en-US"/>
               <a:t>Fifth level</a:t>
             </a:r>
-            <a:endParaRPr lang="en-US"/>
           </a:p>
         </p:txBody>
       </p:sp>
@@ -2239,7 +2234,7 @@
           <a:p>
             <a:pPr lvl="0"/>
             <a:r>
-              <a:rPr lang="en-US" smtClean="0"/>
+              <a:rPr lang="en-US"/>
               <a:t>Click to edit Master text styles</a:t>
             </a:r>
           </a:p>
@@ -2262,7 +2257,7 @@
           <a:p>
             <a:fld id="{5BCAD085-E8A6-8845-BD4E-CB4CCA059FC4}" type="datetimeFigureOut">
               <a:rPr lang="en-US" smtClean="0"/>
-              <a:t>1/27/13</a:t>
+              <a:t>9/17/2025</a:t>
             </a:fld>
             <a:endParaRPr lang="en-US"/>
           </a:p>
@@ -2365,10 +2360,9 @@
           </a:lstStyle>
           <a:p>
             <a:r>
-              <a:rPr lang="en-US" smtClean="0"/>
+              <a:rPr lang="en-US"/>
               <a:t>Click to edit Master title style</a:t>
             </a:r>
-            <a:endParaRPr lang="en-US"/>
           </a:p>
         </p:txBody>
       </p:sp>
@@ -2492,7 +2486,7 @@
           <a:p>
             <a:pPr lvl="0"/>
             <a:r>
-              <a:rPr lang="en-US" smtClean="0"/>
+              <a:rPr lang="en-US"/>
               <a:t>Click to edit Master text styles</a:t>
             </a:r>
           </a:p>
@@ -2515,7 +2509,7 @@
           <a:p>
             <a:fld id="{5BCAD085-E8A6-8845-BD4E-CB4CCA059FC4}" type="datetimeFigureOut">
               <a:rPr lang="en-US" smtClean="0"/>
-              <a:t>1/27/13</a:t>
+              <a:t>9/17/2025</a:t>
             </a:fld>
             <a:endParaRPr lang="en-US"/>
           </a:p>
@@ -2624,10 +2618,9 @@
           <a:lstStyle/>
           <a:p>
             <a:r>
-              <a:rPr lang="en-US" smtClean="0"/>
+              <a:rPr lang="en-US"/>
               <a:t>Click to edit Master title style</a:t>
             </a:r>
-            <a:endParaRPr lang="en-US"/>
           </a:p>
         </p:txBody>
       </p:sp>
@@ -2658,38 +2651,37 @@
           <a:p>
             <a:pPr lvl="0"/>
             <a:r>
-              <a:rPr lang="en-US" smtClean="0"/>
+              <a:rPr lang="en-US"/>
               <a:t>Click to edit Master text styles</a:t>
             </a:r>
           </a:p>
           <a:p>
             <a:pPr lvl="1"/>
             <a:r>
-              <a:rPr lang="en-US" smtClean="0"/>
+              <a:rPr lang="en-US"/>
               <a:t>Second level</a:t>
             </a:r>
           </a:p>
           <a:p>
             <a:pPr lvl="2"/>
             <a:r>
-              <a:rPr lang="en-US" smtClean="0"/>
+              <a:rPr lang="en-US"/>
               <a:t>Third level</a:t>
             </a:r>
           </a:p>
           <a:p>
             <a:pPr lvl="3"/>
             <a:r>
-              <a:rPr lang="en-US" smtClean="0"/>
+              <a:rPr lang="en-US"/>
               <a:t>Fourth level</a:t>
             </a:r>
           </a:p>
           <a:p>
             <a:pPr lvl="4"/>
             <a:r>
-              <a:rPr lang="en-US" smtClean="0"/>
+              <a:rPr lang="en-US"/>
               <a:t>Fifth level</a:t>
             </a:r>
-            <a:endParaRPr lang="en-US"/>
           </a:p>
         </p:txBody>
       </p:sp>
@@ -2728,7 +2720,7 @@
           <a:p>
             <a:fld id="{5BCAD085-E8A6-8845-BD4E-CB4CCA059FC4}" type="datetimeFigureOut">
               <a:rPr lang="en-US" smtClean="0"/>
-              <a:t>1/27/13</a:t>
+              <a:t>9/17/2025</a:t>
             </a:fld>
             <a:endParaRPr lang="en-US"/>
           </a:p>
@@ -3087,7 +3079,7 @@
 </file>
 
 <file path=ppt/slides/slide1.xml><?xml version="1.0" encoding="utf-8"?>
-<p:sld xmlns:a="http://schemas.openxmlformats.org/drawingml/2006/main" xmlns:p="http://schemas.openxmlformats.org/presentationml/2006/main" xmlns:r="http://schemas.openxmlformats.org/officeDocument/2006/relationships">
+<p:sld xmlns:a="http://schemas.openxmlformats.org/drawingml/2006/main" xmlns:r="http://schemas.openxmlformats.org/officeDocument/2006/relationships" xmlns:p="http://schemas.openxmlformats.org/presentationml/2006/main">
   <p:cSld>
     <p:spTree>
       <p:nvGrpSpPr>
@@ -3095,7 +3087,14 @@
         <p:cNvGrpSpPr/>
         <p:nvPr/>
       </p:nvGrpSpPr>
-      <p:grpSpPr/>
+      <p:grpSpPr>
+        <a:xfrm>
+          <a:off x="0" y="0"/>
+          <a:ext cx="0" cy="0"/>
+          <a:chOff x="0" y="0"/>
+          <a:chExt cx="0" cy="0"/>
+        </a:xfrm>
+      </p:grpSpPr>
       <p:sp>
         <p:nvSpPr>
           <p:cNvPr id="2" name="Title 1"/>
@@ -3145,7 +3144,7 @@
       </p:sp>
       <p:pic>
         <p:nvPicPr>
-          <p:cNvPr id="4" name="Picture 3" descr="portrait_cfg.png"/>
+          <p:cNvPr id="4" name="Picture 3" descr="6.png"/>
           <p:cNvPicPr>
             <a:picLocks noChangeAspect="1"/>
           </p:cNvPicPr>
@@ -3159,8 +3158,8 @@
         </p:blipFill>
         <p:spPr>
           <a:xfrm>
-            <a:off x="7315200" y="1188720"/>
-            <a:ext cx="2194560" cy="3291840"/>
+            <a:off x="7473696" y="173736"/>
+            <a:ext cx="1359408" cy="2039112"/>
           </a:xfrm>
           <a:prstGeom prst="rect">
             <a:avLst/>
@@ -3176,7 +3175,7 @@
 </file>
 
 <file path=ppt/slides/slide2.xml><?xml version="1.0" encoding="utf-8"?>
-<p:sld xmlns:a="http://schemas.openxmlformats.org/drawingml/2006/main" xmlns:p="http://schemas.openxmlformats.org/presentationml/2006/main" xmlns:r="http://schemas.openxmlformats.org/officeDocument/2006/relationships">
+<p:sld xmlns:a="http://schemas.openxmlformats.org/drawingml/2006/main" xmlns:r="http://schemas.openxmlformats.org/officeDocument/2006/relationships" xmlns:p="http://schemas.openxmlformats.org/presentationml/2006/main">
   <p:cSld>
     <p:spTree>
       <p:nvGrpSpPr>
@@ -3184,7 +3183,14 @@
         <p:cNvGrpSpPr/>
         <p:nvPr/>
       </p:nvGrpSpPr>
-      <p:grpSpPr/>
+      <p:grpSpPr>
+        <a:xfrm>
+          <a:off x="0" y="0"/>
+          <a:ext cx="0" cy="0"/>
+          <a:chOff x="0" y="0"/>
+          <a:chExt cx="0" cy="0"/>
+        </a:xfrm>
+      </p:grpSpPr>
       <p:sp>
         <p:nvSpPr>
           <p:cNvPr id="2" name="Title 1"/>
@@ -3221,25 +3227,21 @@
           <a:bodyPr/>
           <a:lstStyle/>
           <a:p>
-            <a:pPr/>
             <a:r>
               <a:t>Нет управленческой отчётности в одном окне</a:t>
             </a:r>
           </a:p>
           <a:p>
-            <a:pPr/>
             <a:r>
               <a:t>Слабая мотивация: нет связи KPI ↔ деньги</a:t>
             </a:r>
           </a:p>
           <a:p>
-            <a:pPr/>
-            <a:r>
-              <a:t>Отсутствует фокус: 10+ инициатив без эффекта</a:t>
-            </a:r>
-          </a:p>
-          <a:p>
-            <a:pPr/>
+            <a:r>
+              <a:t>Слишком много инициатив без эффекта</a:t>
+            </a:r>
+          </a:p>
+          <a:p>
             <a:r>
               <a:t>Нужны быстрые победы без тяжёлого IT</a:t>
             </a:r>
@@ -3255,7 +3257,7 @@
 </file>
 
 <file path=ppt/slides/slide3.xml><?xml version="1.0" encoding="utf-8"?>
-<p:sld xmlns:a="http://schemas.openxmlformats.org/drawingml/2006/main" xmlns:p="http://schemas.openxmlformats.org/presentationml/2006/main" xmlns:r="http://schemas.openxmlformats.org/officeDocument/2006/relationships">
+<p:sld xmlns:a="http://schemas.openxmlformats.org/drawingml/2006/main" xmlns:r="http://schemas.openxmlformats.org/officeDocument/2006/relationships" xmlns:p="http://schemas.openxmlformats.org/presentationml/2006/main">
   <p:cSld>
     <p:spTree>
       <p:nvGrpSpPr>
@@ -3263,7 +3265,14 @@
         <p:cNvGrpSpPr/>
         <p:nvPr/>
       </p:nvGrpSpPr>
-      <p:grpSpPr/>
+      <p:grpSpPr>
+        <a:xfrm>
+          <a:off x="0" y="0"/>
+          <a:ext cx="0" cy="0"/>
+          <a:chOff x="0" y="0"/>
+          <a:chExt cx="0" cy="0"/>
+        </a:xfrm>
+      </p:grpSpPr>
       <p:sp>
         <p:nvSpPr>
           <p:cNvPr id="2" name="Title 1"/>
@@ -3300,21 +3309,18 @@
           <a:bodyPr/>
           <a:lstStyle/>
           <a:p>
-            <a:pPr/>
-            <a:r>
-              <a:t>Я прихожу как фракционный COO/CGO</a:t>
-            </a:r>
-          </a:p>
-          <a:p>
-            <a:pPr/>
-            <a:r>
-              <a:t>За 12 недель запускаю 3–5 инициатив до денег</a:t>
-            </a:r>
-          </a:p>
-          <a:p>
-            <a:pPr/>
-            <a:r>
-              <a:t>DPPM-12: Data → People → Process → Market</a:t>
+            <a:r>
+              <a:t>Фракционный COO/CGO</a:t>
+            </a:r>
+          </a:p>
+          <a:p>
+            <a:r>
+              <a:t>3–5 инициатив до денег за 12 недель</a:t>
+            </a:r>
+          </a:p>
+          <a:p>
+            <a:r>
+              <a:t>DPPM-12: Данные → Люди → Процессы → Рынок</a:t>
             </a:r>
           </a:p>
         </p:txBody>
@@ -3328,7 +3334,7 @@
 </file>
 
 <file path=ppt/slides/slide4.xml><?xml version="1.0" encoding="utf-8"?>
-<p:sld xmlns:a="http://schemas.openxmlformats.org/drawingml/2006/main" xmlns:p="http://schemas.openxmlformats.org/presentationml/2006/main" xmlns:r="http://schemas.openxmlformats.org/officeDocument/2006/relationships">
+<p:sld xmlns:a="http://schemas.openxmlformats.org/drawingml/2006/main" xmlns:r="http://schemas.openxmlformats.org/officeDocument/2006/relationships" xmlns:p="http://schemas.openxmlformats.org/presentationml/2006/main">
   <p:cSld>
     <p:spTree>
       <p:nvGrpSpPr>
@@ -3336,7 +3342,14 @@
         <p:cNvGrpSpPr/>
         <p:nvPr/>
       </p:nvGrpSpPr>
-      <p:grpSpPr/>
+      <p:grpSpPr>
+        <a:xfrm>
+          <a:off x="0" y="0"/>
+          <a:ext cx="0" cy="0"/>
+          <a:chOff x="0" y="0"/>
+          <a:chExt cx="0" cy="0"/>
+        </a:xfrm>
+      </p:grpSpPr>
       <p:sp>
         <p:nvSpPr>
           <p:cNvPr id="2" name="Title 1"/>
@@ -3353,7 +3366,7 @@
           <a:lstStyle/>
           <a:p>
             <a:r>
-              <a:t>DPPM-12 — подход</a:t>
+              <a:t>Продукты и формат</a:t>
             </a:r>
           </a:p>
         </p:txBody>
@@ -3373,27 +3386,23 @@
           <a:bodyPr/>
           <a:lstStyle/>
           <a:p>
-            <a:pPr/>
-            <a:r>
-              <a:t>DATA: единый слой, 5–7 дашбордов</a:t>
-            </a:r>
-          </a:p>
-          <a:p>
-            <a:pPr/>
-            <a:r>
-              <a:t>PEOPLE: KPI и мотивация, карьерные треки</a:t>
-            </a:r>
-          </a:p>
-          <a:p>
-            <a:pPr/>
-            <a:r>
-              <a:t>PROCESS: регламенты, ритуалы, «борд фактов»</a:t>
-            </a:r>
-          </a:p>
-          <a:p>
-            <a:pPr/>
-            <a:r>
-              <a:t>MARKET: воронка, офферы, партнёрский канал</a:t>
+            <a:r>
+              <a:t>Диагностика 10 дней (₽90–150k)</a:t>
+            </a:r>
+          </a:p>
+          <a:p>
+            <a:r>
+              <a:t>Внедрение 12 недель (₽450–900k или ₽250–400k/мес + KPI)</a:t>
+            </a:r>
+          </a:p>
+          <a:p>
+            <a:r>
+              <a:t>Operate 6–12 мес (≤2 клиента)</a:t>
+            </a:r>
+          </a:p>
+          <a:p>
+            <a:r>
+              <a:t>Data-Block 3 недели | Sales-Boost 4 недели</a:t>
             </a:r>
           </a:p>
         </p:txBody>
@@ -3407,7 +3416,7 @@
 </file>
 
 <file path=ppt/slides/slide5.xml><?xml version="1.0" encoding="utf-8"?>
-<p:sld xmlns:a="http://schemas.openxmlformats.org/drawingml/2006/main" xmlns:p="http://schemas.openxmlformats.org/presentationml/2006/main" xmlns:r="http://schemas.openxmlformats.org/officeDocument/2006/relationships">
+<p:sld xmlns:a="http://schemas.openxmlformats.org/drawingml/2006/main" xmlns:r="http://schemas.openxmlformats.org/officeDocument/2006/relationships" xmlns:p="http://schemas.openxmlformats.org/presentationml/2006/main">
   <p:cSld>
     <p:spTree>
       <p:nvGrpSpPr>
@@ -3415,7 +3424,14 @@
         <p:cNvGrpSpPr/>
         <p:nvPr/>
       </p:nvGrpSpPr>
-      <p:grpSpPr/>
+      <p:grpSpPr>
+        <a:xfrm>
+          <a:off x="0" y="0"/>
+          <a:ext cx="0" cy="0"/>
+          <a:chOff x="0" y="0"/>
+          <a:chExt cx="0" cy="0"/>
+        </a:xfrm>
+      </p:grpSpPr>
       <p:sp>
         <p:nvSpPr>
           <p:cNvPr id="2" name="Title 1"/>
@@ -3432,7 +3448,7 @@
           <a:lstStyle/>
           <a:p>
             <a:r>
-              <a:t>Продукты и формат</a:t>
+              <a:t>Доказательства</a:t>
             </a:r>
           </a:p>
         </p:txBody>
@@ -3452,27 +3468,23 @@
           <a:bodyPr/>
           <a:lstStyle/>
           <a:p>
-            <a:pPr/>
-            <a:r>
-              <a:t>Диагностика прибыли 10 дней (₽90–150k)</a:t>
-            </a:r>
-          </a:p>
-          <a:p>
-            <a:pPr/>
-            <a:r>
-              <a:t>Внедрение 12 недель (₽450–900k или ₽250–400k/мес + KPI-бонус)</a:t>
-            </a:r>
-          </a:p>
-          <a:p>
-            <a:pPr/>
-            <a:r>
-              <a:t>Operate 6–12 мес (≤2 клиента)</a:t>
-            </a:r>
-          </a:p>
-          <a:p>
-            <a:pPr/>
-            <a:r>
-              <a:t>Data-Block 3 недели | Sales-Boost 4 недели</a:t>
+            <a:r>
+              <a:t>Рынок: доля до 33% (банк)</a:t>
+            </a:r>
+          </a:p>
+          <a:p>
+            <a:r>
+              <a:t>DIY: запуск B2B</a:t>
+            </a:r>
+          </a:p>
+          <a:p>
+            <a:r>
+              <a:t>Авто: конверсия до 27% + отчётность</a:t>
+            </a:r>
+          </a:p>
+          <a:p>
+            <a:r>
+              <a:t>1600+ интервью, 1000+ наймов</a:t>
             </a:r>
           </a:p>
         </p:txBody>
@@ -3486,7 +3498,7 @@
 </file>
 
 <file path=ppt/slides/slide6.xml><?xml version="1.0" encoding="utf-8"?>
-<p:sld xmlns:a="http://schemas.openxmlformats.org/drawingml/2006/main" xmlns:p="http://schemas.openxmlformats.org/presentationml/2006/main" xmlns:r="http://schemas.openxmlformats.org/officeDocument/2006/relationships">
+<p:sld xmlns:a="http://schemas.openxmlformats.org/drawingml/2006/main" xmlns:r="http://schemas.openxmlformats.org/officeDocument/2006/relationships" xmlns:p="http://schemas.openxmlformats.org/presentationml/2006/main">
   <p:cSld>
     <p:spTree>
       <p:nvGrpSpPr>
@@ -3494,7 +3506,14 @@
         <p:cNvGrpSpPr/>
         <p:nvPr/>
       </p:nvGrpSpPr>
-      <p:grpSpPr/>
+      <p:grpSpPr>
+        <a:xfrm>
+          <a:off x="0" y="0"/>
+          <a:ext cx="0" cy="0"/>
+          <a:chOff x="0" y="0"/>
+          <a:chExt cx="0" cy="0"/>
+        </a:xfrm>
+      </p:grpSpPr>
       <p:sp>
         <p:nvSpPr>
           <p:cNvPr id="2" name="Title 1"/>
@@ -3511,7 +3530,7 @@
           <a:lstStyle/>
           <a:p>
             <a:r>
-              <a:t>ICP (фокус 90 дней)</a:t>
+              <a:t>Операционный ритм</a:t>
             </a:r>
           </a:p>
         </p:txBody>
@@ -3531,264 +3550,23 @@
           <a:bodyPr/>
           <a:lstStyle/>
           <a:p>
-            <a:pPr/>
-            <a:r>
-              <a:t>Автодилеры 3–10 салонов</a:t>
-            </a:r>
-          </a:p>
-          <a:p>
-            <a:pPr/>
-            <a:r>
-              <a:t>Девелоперы/подрядчики ₽1–10 млрд</a:t>
-            </a:r>
-          </a:p>
-          <a:p>
-            <a:pPr/>
-            <a:r>
-              <a:t>HoReCa 5–20 точек</a:t>
-            </a:r>
-          </a:p>
-          <a:p>
-            <a:pPr/>
-            <a:r>
-              <a:t>E-commerce/ритейл ₽200–800 млн</a:t>
-            </a:r>
-          </a:p>
-        </p:txBody>
-      </p:sp>
-    </p:spTree>
-  </p:cSld>
-  <p:clrMapOvr>
-    <a:masterClrMapping/>
-  </p:clrMapOvr>
-</p:sld>
-</file>
-
-<file path=ppt/slides/slide7.xml><?xml version="1.0" encoding="utf-8"?>
-<p:sld xmlns:a="http://schemas.openxmlformats.org/drawingml/2006/main" xmlns:p="http://schemas.openxmlformats.org/presentationml/2006/main" xmlns:r="http://schemas.openxmlformats.org/officeDocument/2006/relationships">
-  <p:cSld>
-    <p:spTree>
-      <p:nvGrpSpPr>
-        <p:cNvPr id="1" name=""/>
-        <p:cNvGrpSpPr/>
-        <p:nvPr/>
-      </p:nvGrpSpPr>
-      <p:grpSpPr/>
-      <p:sp>
-        <p:nvSpPr>
-          <p:cNvPr id="2" name="Title 1"/>
-          <p:cNvSpPr>
-            <a:spLocks noGrp="1"/>
-          </p:cNvSpPr>
-          <p:nvPr>
-            <p:ph type="title"/>
-          </p:nvPr>
-        </p:nvSpPr>
-        <p:spPr/>
-        <p:txBody>
-          <a:bodyPr/>
-          <a:lstStyle/>
-          <a:p>
-            <a:r>
-              <a:t>Доказательства</a:t>
-            </a:r>
-          </a:p>
-        </p:txBody>
-      </p:sp>
-      <p:sp>
-        <p:nvSpPr>
-          <p:cNvPr id="3" name="Content Placeholder 2"/>
-          <p:cNvSpPr>
-            <a:spLocks noGrp="1"/>
-          </p:cNvSpPr>
-          <p:nvPr>
-            <p:ph idx="1"/>
-          </p:nvPr>
-        </p:nvSpPr>
-        <p:spPr/>
-        <p:txBody>
-          <a:bodyPr/>
-          <a:lstStyle/>
-          <a:p>
-            <a:pPr/>
-            <a:r>
-              <a:t>Рынок: доля до 33%</a:t>
-            </a:r>
-          </a:p>
-          <a:p>
-            <a:pPr/>
-            <a:r>
-              <a:t>DIY: запуск B2B-канала</a:t>
-            </a:r>
-          </a:p>
-          <a:p>
-            <a:pPr/>
-            <a:r>
-              <a:t>Авто: конверсия до 27% + отчётность</a:t>
-            </a:r>
-          </a:p>
-          <a:p>
-            <a:pPr/>
-            <a:r>
-              <a:t>1600+ интервью, 1000+ наймов</a:t>
-            </a:r>
-          </a:p>
-        </p:txBody>
-      </p:sp>
-    </p:spTree>
-  </p:cSld>
-  <p:clrMapOvr>
-    <a:masterClrMapping/>
-  </p:clrMapOvr>
-</p:sld>
-</file>
-
-<file path=ppt/slides/slide8.xml><?xml version="1.0" encoding="utf-8"?>
-<p:sld xmlns:a="http://schemas.openxmlformats.org/drawingml/2006/main" xmlns:p="http://schemas.openxmlformats.org/presentationml/2006/main" xmlns:r="http://schemas.openxmlformats.org/officeDocument/2006/relationships">
-  <p:cSld>
-    <p:spTree>
-      <p:nvGrpSpPr>
-        <p:cNvPr id="1" name=""/>
-        <p:cNvGrpSpPr/>
-        <p:nvPr/>
-      </p:nvGrpSpPr>
-      <p:grpSpPr/>
-      <p:sp>
-        <p:nvSpPr>
-          <p:cNvPr id="2" name="Title 1"/>
-          <p:cNvSpPr>
-            <a:spLocks noGrp="1"/>
-          </p:cNvSpPr>
-          <p:nvPr>
-            <p:ph type="title"/>
-          </p:nvPr>
-        </p:nvSpPr>
-        <p:spPr/>
-        <p:txBody>
-          <a:bodyPr/>
-          <a:lstStyle/>
-          <a:p>
-            <a:r>
-              <a:t>Операционный ритм</a:t>
-            </a:r>
-          </a:p>
-        </p:txBody>
-      </p:sp>
-      <p:sp>
-        <p:nvSpPr>
-          <p:cNvPr id="3" name="Content Placeholder 2"/>
-          <p:cNvSpPr>
-            <a:spLocks noGrp="1"/>
-          </p:cNvSpPr>
-          <p:nvPr>
-            <p:ph idx="1"/>
-          </p:nvPr>
-        </p:nvSpPr>
-        <p:spPr/>
-        <p:txBody>
-          <a:bodyPr/>
-          <a:lstStyle/>
-          <a:p>
-            <a:pPr/>
             <a:r>
               <a:t>6 спринтов × 2 недели</a:t>
             </a:r>
           </a:p>
           <a:p>
-            <a:pPr/>
             <a:r>
               <a:t>Пн 09:00 цели → Пт 17:00 «борд фактов»</a:t>
             </a:r>
           </a:p>
           <a:p>
-            <a:pPr/>
             <a:r>
               <a:t>WIP ≤ 3, weekly «голос поля»</a:t>
             </a:r>
           </a:p>
           <a:p>
-            <a:pPr/>
             <a:r>
               <a:t>Прозрачность эффектов и ROI</a:t>
-            </a:r>
-          </a:p>
-        </p:txBody>
-      </p:sp>
-    </p:spTree>
-  </p:cSld>
-  <p:clrMapOvr>
-    <a:masterClrMapping/>
-  </p:clrMapOvr>
-</p:sld>
-</file>
-
-<file path=ppt/slides/slide9.xml><?xml version="1.0" encoding="utf-8"?>
-<p:sld xmlns:a="http://schemas.openxmlformats.org/drawingml/2006/main" xmlns:p="http://schemas.openxmlformats.org/presentationml/2006/main" xmlns:r="http://schemas.openxmlformats.org/officeDocument/2006/relationships">
-  <p:cSld>
-    <p:spTree>
-      <p:nvGrpSpPr>
-        <p:cNvPr id="1" name=""/>
-        <p:cNvGrpSpPr/>
-        <p:nvPr/>
-      </p:nvGrpSpPr>
-      <p:grpSpPr/>
-      <p:sp>
-        <p:nvSpPr>
-          <p:cNvPr id="2" name="Title 1"/>
-          <p:cNvSpPr>
-            <a:spLocks noGrp="1"/>
-          </p:cNvSpPr>
-          <p:nvPr>
-            <p:ph type="title"/>
-          </p:nvPr>
-        </p:nvSpPr>
-        <p:spPr/>
-        <p:txBody>
-          <a:bodyPr/>
-          <a:lstStyle/>
-          <a:p>
-            <a:r>
-              <a:t>Next step</a:t>
-            </a:r>
-          </a:p>
-        </p:txBody>
-      </p:sp>
-      <p:sp>
-        <p:nvSpPr>
-          <p:cNvPr id="3" name="Content Placeholder 2"/>
-          <p:cNvSpPr>
-            <a:spLocks noGrp="1"/>
-          </p:cNvSpPr>
-          <p:nvPr>
-            <p:ph idx="1"/>
-          </p:nvPr>
-        </p:nvSpPr>
-        <p:spPr/>
-        <p:txBody>
-          <a:bodyPr/>
-          <a:lstStyle/>
-          <a:p>
-            <a:pPr/>
-            <a:r>
-              <a:t>20-мин discovery-звонок</a:t>
-            </a:r>
-          </a:p>
-          <a:p>
-            <a:pPr/>
-            <a:r>
-              <a:t>Старт «Диагностики 10 дней»</a:t>
-            </a:r>
-          </a:p>
-          <a:p>
-            <a:pPr/>
-            <a:r>
-              <a:t>Доступы к данным/CRM</a:t>
-            </a:r>
-          </a:p>
-          <a:p>
-            <a:pPr/>
-            <a:r>
-              <a:t>Согласуем KPI и потолок бонуса</a:t>
             </a:r>
           </a:p>
         </p:txBody>
